--- a/docs/Presentation1.pptx
+++ b/docs/Presentation1.pptx
@@ -4,10 +4,18 @@
   <p:sldMasterIdLst>
     <p:sldMasterId id="2147483648" r:id="rId1"/>
   </p:sldMasterIdLst>
+  <p:notesMasterIdLst>
+    <p:notesMasterId r:id="rId10"/>
+  </p:notesMasterIdLst>
   <p:sldIdLst>
     <p:sldId id="256" r:id="rId2"/>
     <p:sldId id="257" r:id="rId3"/>
     <p:sldId id="258" r:id="rId4"/>
+    <p:sldId id="261" r:id="rId5"/>
+    <p:sldId id="260" r:id="rId6"/>
+    <p:sldId id="259" r:id="rId7"/>
+    <p:sldId id="262" r:id="rId8"/>
+    <p:sldId id="263" r:id="rId9"/>
   </p:sldIdLst>
   <p:sldSz cx="12192000" cy="6858000"/>
   <p:notesSz cx="6858000" cy="9144000"/>
@@ -107,6 +115,440 @@
     </a:lvl9pPr>
   </p:defaultTextStyle>
 </p:presentation>
+</file>
+
+<file path=ppt/notesMasters/notesMaster1.xml><?xml version="1.0" encoding="utf-8"?>
+<p:notesMaster xmlns:a="http://schemas.openxmlformats.org/drawingml/2006/main" xmlns:r="http://schemas.openxmlformats.org/officeDocument/2006/relationships" xmlns:p="http://schemas.openxmlformats.org/presentationml/2006/main">
+  <p:cSld>
+    <p:bg>
+      <p:bgRef idx="1001">
+        <a:schemeClr val="bg1"/>
+      </p:bgRef>
+    </p:bg>
+    <p:spTree>
+      <p:nvGrpSpPr>
+        <p:cNvPr id="1" name=""/>
+        <p:cNvGrpSpPr/>
+        <p:nvPr/>
+      </p:nvGrpSpPr>
+      <p:grpSpPr>
+        <a:xfrm>
+          <a:off x="0" y="0"/>
+          <a:ext cx="0" cy="0"/>
+          <a:chOff x="0" y="0"/>
+          <a:chExt cx="0" cy="0"/>
+        </a:xfrm>
+      </p:grpSpPr>
+      <p:sp>
+        <p:nvSpPr>
+          <p:cNvPr id="2" name="Header Placeholder 1"/>
+          <p:cNvSpPr>
+            <a:spLocks noGrp="1"/>
+          </p:cNvSpPr>
+          <p:nvPr>
+            <p:ph type="hdr" sz="quarter"/>
+          </p:nvPr>
+        </p:nvSpPr>
+        <p:spPr>
+          <a:xfrm>
+            <a:off x="0" y="0"/>
+            <a:ext cx="2971800" cy="458788"/>
+          </a:xfrm>
+          <a:prstGeom prst="rect">
+            <a:avLst/>
+          </a:prstGeom>
+        </p:spPr>
+        <p:txBody>
+          <a:bodyPr vert="horz" lIns="91440" tIns="45720" rIns="91440" bIns="45720" rtlCol="0"/>
+          <a:lstStyle>
+            <a:lvl1pPr algn="l">
+              <a:defRPr sz="1200"/>
+            </a:lvl1pPr>
+          </a:lstStyle>
+          <a:p>
+            <a:endParaRPr lang="en-US"/>
+          </a:p>
+        </p:txBody>
+      </p:sp>
+      <p:sp>
+        <p:nvSpPr>
+          <p:cNvPr id="3" name="Date Placeholder 2"/>
+          <p:cNvSpPr>
+            <a:spLocks noGrp="1"/>
+          </p:cNvSpPr>
+          <p:nvPr>
+            <p:ph type="dt" idx="1"/>
+          </p:nvPr>
+        </p:nvSpPr>
+        <p:spPr>
+          <a:xfrm>
+            <a:off x="3884613" y="0"/>
+            <a:ext cx="2971800" cy="458788"/>
+          </a:xfrm>
+          <a:prstGeom prst="rect">
+            <a:avLst/>
+          </a:prstGeom>
+        </p:spPr>
+        <p:txBody>
+          <a:bodyPr vert="horz" lIns="91440" tIns="45720" rIns="91440" bIns="45720" rtlCol="0"/>
+          <a:lstStyle>
+            <a:lvl1pPr algn="r">
+              <a:defRPr sz="1200"/>
+            </a:lvl1pPr>
+          </a:lstStyle>
+          <a:p>
+            <a:fld id="{B8FC2F37-3F11-B54C-81E9-1BA8B65F8714}" type="datetimeFigureOut">
+              <a:rPr lang="en-US" smtClean="0"/>
+              <a:t>10/21/20</a:t>
+            </a:fld>
+            <a:endParaRPr lang="en-US"/>
+          </a:p>
+        </p:txBody>
+      </p:sp>
+      <p:sp>
+        <p:nvSpPr>
+          <p:cNvPr id="4" name="Slide Image Placeholder 3"/>
+          <p:cNvSpPr>
+            <a:spLocks noGrp="1" noRot="1" noChangeAspect="1"/>
+          </p:cNvSpPr>
+          <p:nvPr>
+            <p:ph type="sldImg" idx="2"/>
+          </p:nvPr>
+        </p:nvSpPr>
+        <p:spPr>
+          <a:xfrm>
+            <a:off x="685800" y="1143000"/>
+            <a:ext cx="5486400" cy="3086100"/>
+          </a:xfrm>
+          <a:prstGeom prst="rect">
+            <a:avLst/>
+          </a:prstGeom>
+          <a:noFill/>
+          <a:ln w="12700">
+            <a:solidFill>
+              <a:prstClr val="black"/>
+            </a:solidFill>
+          </a:ln>
+        </p:spPr>
+        <p:txBody>
+          <a:bodyPr vert="horz" lIns="91440" tIns="45720" rIns="91440" bIns="45720" rtlCol="0" anchor="ctr"/>
+          <a:lstStyle/>
+          <a:p>
+            <a:endParaRPr lang="en-US"/>
+          </a:p>
+        </p:txBody>
+      </p:sp>
+      <p:sp>
+        <p:nvSpPr>
+          <p:cNvPr id="5" name="Notes Placeholder 4"/>
+          <p:cNvSpPr>
+            <a:spLocks noGrp="1"/>
+          </p:cNvSpPr>
+          <p:nvPr>
+            <p:ph type="body" sz="quarter" idx="3"/>
+          </p:nvPr>
+        </p:nvSpPr>
+        <p:spPr>
+          <a:xfrm>
+            <a:off x="685800" y="4400550"/>
+            <a:ext cx="5486400" cy="3600450"/>
+          </a:xfrm>
+          <a:prstGeom prst="rect">
+            <a:avLst/>
+          </a:prstGeom>
+        </p:spPr>
+        <p:txBody>
+          <a:bodyPr vert="horz" lIns="91440" tIns="45720" rIns="91440" bIns="45720" rtlCol="0"/>
+          <a:lstStyle/>
+          <a:p>
+            <a:pPr lvl="0"/>
+            <a:r>
+              <a:rPr lang="en-GB"/>
+              <a:t>Click to edit Master text styles</a:t>
+            </a:r>
+          </a:p>
+          <a:p>
+            <a:pPr lvl="1"/>
+            <a:r>
+              <a:rPr lang="en-GB"/>
+              <a:t>Second level</a:t>
+            </a:r>
+          </a:p>
+          <a:p>
+            <a:pPr lvl="2"/>
+            <a:r>
+              <a:rPr lang="en-GB"/>
+              <a:t>Third level</a:t>
+            </a:r>
+          </a:p>
+          <a:p>
+            <a:pPr lvl="3"/>
+            <a:r>
+              <a:rPr lang="en-GB"/>
+              <a:t>Fourth level</a:t>
+            </a:r>
+          </a:p>
+          <a:p>
+            <a:pPr lvl="4"/>
+            <a:r>
+              <a:rPr lang="en-GB"/>
+              <a:t>Fifth level</a:t>
+            </a:r>
+            <a:endParaRPr lang="en-US"/>
+          </a:p>
+        </p:txBody>
+      </p:sp>
+      <p:sp>
+        <p:nvSpPr>
+          <p:cNvPr id="6" name="Footer Placeholder 5"/>
+          <p:cNvSpPr>
+            <a:spLocks noGrp="1"/>
+          </p:cNvSpPr>
+          <p:nvPr>
+            <p:ph type="ftr" sz="quarter" idx="4"/>
+          </p:nvPr>
+        </p:nvSpPr>
+        <p:spPr>
+          <a:xfrm>
+            <a:off x="0" y="8685213"/>
+            <a:ext cx="2971800" cy="458787"/>
+          </a:xfrm>
+          <a:prstGeom prst="rect">
+            <a:avLst/>
+          </a:prstGeom>
+        </p:spPr>
+        <p:txBody>
+          <a:bodyPr vert="horz" lIns="91440" tIns="45720" rIns="91440" bIns="45720" rtlCol="0" anchor="b"/>
+          <a:lstStyle>
+            <a:lvl1pPr algn="l">
+              <a:defRPr sz="1200"/>
+            </a:lvl1pPr>
+          </a:lstStyle>
+          <a:p>
+            <a:endParaRPr lang="en-US"/>
+          </a:p>
+        </p:txBody>
+      </p:sp>
+      <p:sp>
+        <p:nvSpPr>
+          <p:cNvPr id="7" name="Slide Number Placeholder 6"/>
+          <p:cNvSpPr>
+            <a:spLocks noGrp="1"/>
+          </p:cNvSpPr>
+          <p:nvPr>
+            <p:ph type="sldNum" sz="quarter" idx="5"/>
+          </p:nvPr>
+        </p:nvSpPr>
+        <p:spPr>
+          <a:xfrm>
+            <a:off x="3884613" y="8685213"/>
+            <a:ext cx="2971800" cy="458787"/>
+          </a:xfrm>
+          <a:prstGeom prst="rect">
+            <a:avLst/>
+          </a:prstGeom>
+        </p:spPr>
+        <p:txBody>
+          <a:bodyPr vert="horz" lIns="91440" tIns="45720" rIns="91440" bIns="45720" rtlCol="0" anchor="b"/>
+          <a:lstStyle>
+            <a:lvl1pPr algn="r">
+              <a:defRPr sz="1200"/>
+            </a:lvl1pPr>
+          </a:lstStyle>
+          <a:p>
+            <a:fld id="{643B01F8-19B3-8042-A07C-0F1961434FC4}" type="slidenum">
+              <a:rPr lang="en-US" smtClean="0"/>
+              <a:t>‹#›</a:t>
+            </a:fld>
+            <a:endParaRPr lang="en-US"/>
+          </a:p>
+        </p:txBody>
+      </p:sp>
+    </p:spTree>
+    <p:extLst>
+      <p:ext uri="{BB962C8B-B14F-4D97-AF65-F5344CB8AC3E}">
+        <p14:creationId xmlns:p14="http://schemas.microsoft.com/office/powerpoint/2010/main" val="1091139149"/>
+      </p:ext>
+    </p:extLst>
+  </p:cSld>
+  <p:clrMap bg1="lt1" tx1="dk1" bg2="lt2" tx2="dk2" accent1="accent1" accent2="accent2" accent3="accent3" accent4="accent4" accent5="accent5" accent6="accent6" hlink="hlink" folHlink="folHlink"/>
+  <p:notesStyle>
+    <a:lvl1pPr marL="0" algn="l" defTabSz="914400" rtl="0" eaLnBrk="1" latinLnBrk="0" hangingPunct="1">
+      <a:defRPr sz="1200" kern="1200">
+        <a:solidFill>
+          <a:schemeClr val="tx1"/>
+        </a:solidFill>
+        <a:latin typeface="+mn-lt"/>
+        <a:ea typeface="+mn-ea"/>
+        <a:cs typeface="+mn-cs"/>
+      </a:defRPr>
+    </a:lvl1pPr>
+    <a:lvl2pPr marL="457200" algn="l" defTabSz="914400" rtl="0" eaLnBrk="1" latinLnBrk="0" hangingPunct="1">
+      <a:defRPr sz="1200" kern="1200">
+        <a:solidFill>
+          <a:schemeClr val="tx1"/>
+        </a:solidFill>
+        <a:latin typeface="+mn-lt"/>
+        <a:ea typeface="+mn-ea"/>
+        <a:cs typeface="+mn-cs"/>
+      </a:defRPr>
+    </a:lvl2pPr>
+    <a:lvl3pPr marL="914400" algn="l" defTabSz="914400" rtl="0" eaLnBrk="1" latinLnBrk="0" hangingPunct="1">
+      <a:defRPr sz="1200" kern="1200">
+        <a:solidFill>
+          <a:schemeClr val="tx1"/>
+        </a:solidFill>
+        <a:latin typeface="+mn-lt"/>
+        <a:ea typeface="+mn-ea"/>
+        <a:cs typeface="+mn-cs"/>
+      </a:defRPr>
+    </a:lvl3pPr>
+    <a:lvl4pPr marL="1371600" algn="l" defTabSz="914400" rtl="0" eaLnBrk="1" latinLnBrk="0" hangingPunct="1">
+      <a:defRPr sz="1200" kern="1200">
+        <a:solidFill>
+          <a:schemeClr val="tx1"/>
+        </a:solidFill>
+        <a:latin typeface="+mn-lt"/>
+        <a:ea typeface="+mn-ea"/>
+        <a:cs typeface="+mn-cs"/>
+      </a:defRPr>
+    </a:lvl4pPr>
+    <a:lvl5pPr marL="1828800" algn="l" defTabSz="914400" rtl="0" eaLnBrk="1" latinLnBrk="0" hangingPunct="1">
+      <a:defRPr sz="1200" kern="1200">
+        <a:solidFill>
+          <a:schemeClr val="tx1"/>
+        </a:solidFill>
+        <a:latin typeface="+mn-lt"/>
+        <a:ea typeface="+mn-ea"/>
+        <a:cs typeface="+mn-cs"/>
+      </a:defRPr>
+    </a:lvl5pPr>
+    <a:lvl6pPr marL="2286000" algn="l" defTabSz="914400" rtl="0" eaLnBrk="1" latinLnBrk="0" hangingPunct="1">
+      <a:defRPr sz="1200" kern="1200">
+        <a:solidFill>
+          <a:schemeClr val="tx1"/>
+        </a:solidFill>
+        <a:latin typeface="+mn-lt"/>
+        <a:ea typeface="+mn-ea"/>
+        <a:cs typeface="+mn-cs"/>
+      </a:defRPr>
+    </a:lvl6pPr>
+    <a:lvl7pPr marL="2743200" algn="l" defTabSz="914400" rtl="0" eaLnBrk="1" latinLnBrk="0" hangingPunct="1">
+      <a:defRPr sz="1200" kern="1200">
+        <a:solidFill>
+          <a:schemeClr val="tx1"/>
+        </a:solidFill>
+        <a:latin typeface="+mn-lt"/>
+        <a:ea typeface="+mn-ea"/>
+        <a:cs typeface="+mn-cs"/>
+      </a:defRPr>
+    </a:lvl7pPr>
+    <a:lvl8pPr marL="3200400" algn="l" defTabSz="914400" rtl="0" eaLnBrk="1" latinLnBrk="0" hangingPunct="1">
+      <a:defRPr sz="1200" kern="1200">
+        <a:solidFill>
+          <a:schemeClr val="tx1"/>
+        </a:solidFill>
+        <a:latin typeface="+mn-lt"/>
+        <a:ea typeface="+mn-ea"/>
+        <a:cs typeface="+mn-cs"/>
+      </a:defRPr>
+    </a:lvl8pPr>
+    <a:lvl9pPr marL="3657600" algn="l" defTabSz="914400" rtl="0" eaLnBrk="1" latinLnBrk="0" hangingPunct="1">
+      <a:defRPr sz="1200" kern="1200">
+        <a:solidFill>
+          <a:schemeClr val="tx1"/>
+        </a:solidFill>
+        <a:latin typeface="+mn-lt"/>
+        <a:ea typeface="+mn-ea"/>
+        <a:cs typeface="+mn-cs"/>
+      </a:defRPr>
+    </a:lvl9pPr>
+  </p:notesStyle>
+</p:notesMaster>
+</file>
+
+<file path=ppt/notesSlides/notesSlide1.xml><?xml version="1.0" encoding="utf-8"?>
+<p:notes xmlns:a="http://schemas.openxmlformats.org/drawingml/2006/main" xmlns:r="http://schemas.openxmlformats.org/officeDocument/2006/relationships" xmlns:p="http://schemas.openxmlformats.org/presentationml/2006/main">
+  <p:cSld>
+    <p:spTree>
+      <p:nvGrpSpPr>
+        <p:cNvPr id="1" name=""/>
+        <p:cNvGrpSpPr/>
+        <p:nvPr/>
+      </p:nvGrpSpPr>
+      <p:grpSpPr>
+        <a:xfrm>
+          <a:off x="0" y="0"/>
+          <a:ext cx="0" cy="0"/>
+          <a:chOff x="0" y="0"/>
+          <a:chExt cx="0" cy="0"/>
+        </a:xfrm>
+      </p:grpSpPr>
+      <p:sp>
+        <p:nvSpPr>
+          <p:cNvPr id="2" name="Slide Image Placeholder 1"/>
+          <p:cNvSpPr>
+            <a:spLocks noGrp="1" noRot="1" noChangeAspect="1"/>
+          </p:cNvSpPr>
+          <p:nvPr>
+            <p:ph type="sldImg"/>
+          </p:nvPr>
+        </p:nvSpPr>
+        <p:spPr/>
+      </p:sp>
+      <p:sp>
+        <p:nvSpPr>
+          <p:cNvPr id="3" name="Notes Placeholder 2"/>
+          <p:cNvSpPr>
+            <a:spLocks noGrp="1"/>
+          </p:cNvSpPr>
+          <p:nvPr>
+            <p:ph type="body" idx="1"/>
+          </p:nvPr>
+        </p:nvSpPr>
+        <p:spPr/>
+        <p:txBody>
+          <a:bodyPr/>
+          <a:lstStyle/>
+          <a:p>
+            <a:endParaRPr lang="en-US" dirty="0"/>
+          </a:p>
+        </p:txBody>
+      </p:sp>
+      <p:sp>
+        <p:nvSpPr>
+          <p:cNvPr id="4" name="Slide Number Placeholder 3"/>
+          <p:cNvSpPr>
+            <a:spLocks noGrp="1"/>
+          </p:cNvSpPr>
+          <p:nvPr>
+            <p:ph type="sldNum" sz="quarter" idx="5"/>
+          </p:nvPr>
+        </p:nvSpPr>
+        <p:spPr/>
+        <p:txBody>
+          <a:bodyPr/>
+          <a:lstStyle/>
+          <a:p>
+            <a:fld id="{643B01F8-19B3-8042-A07C-0F1961434FC4}" type="slidenum">
+              <a:rPr lang="en-US" smtClean="0"/>
+              <a:t>7</a:t>
+            </a:fld>
+            <a:endParaRPr lang="en-US"/>
+          </a:p>
+        </p:txBody>
+      </p:sp>
+    </p:spTree>
+    <p:extLst>
+      <p:ext uri="{BB962C8B-B14F-4D97-AF65-F5344CB8AC3E}">
+        <p14:creationId xmlns:p14="http://schemas.microsoft.com/office/powerpoint/2010/main" val="262517229"/>
+      </p:ext>
+    </p:extLst>
+  </p:cSld>
+  <p:clrMapOvr>
+    <a:masterClrMapping/>
+  </p:clrMapOvr>
+</p:notes>
 </file>
 
 <file path=ppt/slideLayouts/slideLayout1.xml><?xml version="1.0" encoding="utf-8"?>
@@ -3501,9 +3943,10 @@
           <a:p>
             <a:pPr algn="ctr"/>
             <a:r>
-              <a:rPr lang="en-US" sz="2000" dirty="0"/>
-              <a:t>Achieve your goals today and earn!</a:t>
-            </a:r>
+              <a:rPr lang="en-AU" dirty="0"/>
+              <a:t>Setting goals made fun!</a:t>
+            </a:r>
+            <a:endParaRPr lang="en-US" sz="2000" dirty="0"/>
           </a:p>
         </p:txBody>
       </p:sp>
@@ -3845,7 +4288,7 @@
     <p:bg>
       <p:bgPr>
         <a:solidFill>
-          <a:srgbClr val="DE9DEB"/>
+          <a:srgbClr val="6BE8D3"/>
         </a:solidFill>
         <a:effectLst/>
       </p:bgPr>
@@ -3885,7 +4328,10 @@
           <a:bodyPr/>
           <a:lstStyle/>
           <a:p>
-            <a:endParaRPr lang="en-US"/>
+            <a:r>
+              <a:rPr lang="en-US" dirty="0"/>
+              <a:t>Purpose</a:t>
+            </a:r>
           </a:p>
         </p:txBody>
       </p:sp>
@@ -3910,10 +4356,69 @@
           <a:bodyPr/>
           <a:lstStyle/>
           <a:p>
-            <a:endParaRPr lang="en-US"/>
-          </a:p>
-        </p:txBody>
-      </p:sp>
+            <a:pPr fontAlgn="base"/>
+            <a:r>
+              <a:rPr lang="en-AU" dirty="0"/>
+              <a:t>We at </a:t>
+            </a:r>
+            <a:r>
+              <a:rPr lang="en-AU" dirty="0" err="1"/>
+              <a:t>Taskio</a:t>
+            </a:r>
+            <a:r>
+              <a:rPr lang="en-AU" dirty="0"/>
+              <a:t> believe in the power of setting good goals and pushing ourselves forward.</a:t>
+            </a:r>
+          </a:p>
+          <a:p>
+            <a:pPr fontAlgn="base"/>
+            <a:r>
+              <a:rPr lang="en-AU" dirty="0"/>
+              <a:t>The app is made to simplify our daily tasks schedule and build good habits.</a:t>
+            </a:r>
+          </a:p>
+          <a:p>
+            <a:pPr fontAlgn="base"/>
+            <a:r>
+              <a:rPr lang="en-AU" dirty="0"/>
+              <a:t>List making, note taking reminders and scribbles are common nowadays. A gamified version just adds a modern-day fun spin on a standard task tracker.</a:t>
+            </a:r>
+          </a:p>
+          <a:p>
+            <a:endParaRPr lang="en-US" dirty="0"/>
+          </a:p>
+        </p:txBody>
+      </p:sp>
+      <p:pic>
+        <p:nvPicPr>
+          <p:cNvPr id="4" name="Picture 3" descr="Chart&#10;&#10;Description automatically generated">
+            <a:extLst>
+              <a:ext uri="{FF2B5EF4-FFF2-40B4-BE49-F238E27FC236}">
+                <a16:creationId xmlns:a16="http://schemas.microsoft.com/office/drawing/2014/main" id="{01BBDF3A-33EA-F047-AC4B-2951B9512A82}"/>
+              </a:ext>
+            </a:extLst>
+          </p:cNvPr>
+          <p:cNvPicPr>
+            <a:picLocks noChangeAspect="1"/>
+          </p:cNvPicPr>
+          <p:nvPr/>
+        </p:nvPicPr>
+        <p:blipFill>
+          <a:blip r:embed="rId2"/>
+          <a:stretch>
+            <a:fillRect/>
+          </a:stretch>
+        </p:blipFill>
+        <p:spPr>
+          <a:xfrm>
+            <a:off x="3181204" y="681037"/>
+            <a:ext cx="736647" cy="788341"/>
+          </a:xfrm>
+          <a:prstGeom prst="rect">
+            <a:avLst/>
+          </a:prstGeom>
+        </p:spPr>
+      </p:pic>
     </p:spTree>
     <p:extLst>
       <p:ext uri="{BB962C8B-B14F-4D97-AF65-F5344CB8AC3E}">
@@ -3973,7 +4478,10 @@
           <a:bodyPr/>
           <a:lstStyle/>
           <a:p>
-            <a:endParaRPr lang="en-US"/>
+            <a:r>
+              <a:rPr lang="en-US" dirty="0"/>
+              <a:t>Technology</a:t>
+            </a:r>
           </a:p>
         </p:txBody>
       </p:sp>
@@ -3995,17 +4503,920 @@
         </p:nvSpPr>
         <p:spPr/>
         <p:txBody>
-          <a:bodyPr/>
-          <a:lstStyle/>
-          <a:p>
-            <a:endParaRPr lang="en-US"/>
-          </a:p>
-        </p:txBody>
-      </p:sp>
+          <a:bodyPr numCol="2">
+            <a:normAutofit fontScale="85000" lnSpcReduction="20000"/>
+          </a:bodyPr>
+          <a:lstStyle/>
+          <a:p>
+            <a:r>
+              <a:rPr lang="en-AU" dirty="0"/>
+              <a:t>JavaScript</a:t>
+            </a:r>
+          </a:p>
+          <a:p>
+            <a:r>
+              <a:rPr lang="en-AU" dirty="0" err="1"/>
+              <a:t>MongoDb</a:t>
+            </a:r>
+            <a:endParaRPr lang="en-AU" dirty="0"/>
+          </a:p>
+          <a:p>
+            <a:r>
+              <a:rPr lang="en-AU" dirty="0"/>
+              <a:t>Express JS</a:t>
+            </a:r>
+          </a:p>
+          <a:p>
+            <a:r>
+              <a:rPr lang="en-AU" dirty="0"/>
+              <a:t>Node JS</a:t>
+            </a:r>
+          </a:p>
+          <a:p>
+            <a:r>
+              <a:rPr lang="en-AU" dirty="0"/>
+              <a:t>Mongoose</a:t>
+            </a:r>
+          </a:p>
+          <a:p>
+            <a:r>
+              <a:rPr lang="en-AU" dirty="0"/>
+              <a:t>Pug JS</a:t>
+            </a:r>
+          </a:p>
+          <a:p>
+            <a:r>
+              <a:rPr lang="en-AU" dirty="0"/>
+              <a:t>Chart JS</a:t>
+            </a:r>
+          </a:p>
+          <a:p>
+            <a:r>
+              <a:rPr lang="en-AU" dirty="0"/>
+              <a:t>HTML</a:t>
+            </a:r>
+          </a:p>
+          <a:p>
+            <a:r>
+              <a:rPr lang="en-AU" dirty="0"/>
+              <a:t>CSS</a:t>
+            </a:r>
+          </a:p>
+          <a:p>
+            <a:r>
+              <a:rPr lang="en-AU" dirty="0"/>
+              <a:t>Node Packages</a:t>
+            </a:r>
+          </a:p>
+          <a:p>
+            <a:pPr lvl="1"/>
+            <a:r>
+              <a:rPr lang="en-AU" dirty="0"/>
+              <a:t>Express</a:t>
+            </a:r>
+          </a:p>
+          <a:p>
+            <a:pPr lvl="1"/>
+            <a:r>
+              <a:rPr lang="en-AU" dirty="0" err="1"/>
+              <a:t>Cors</a:t>
+            </a:r>
+            <a:endParaRPr lang="en-AU" dirty="0"/>
+          </a:p>
+          <a:p>
+            <a:pPr lvl="1"/>
+            <a:r>
+              <a:rPr lang="en-AU" dirty="0"/>
+              <a:t>Mongoose</a:t>
+            </a:r>
+          </a:p>
+          <a:p>
+            <a:pPr lvl="1"/>
+            <a:r>
+              <a:rPr lang="en-AU" dirty="0"/>
+              <a:t>Passport</a:t>
+            </a:r>
+          </a:p>
+          <a:p>
+            <a:pPr lvl="1"/>
+            <a:r>
+              <a:rPr lang="en-AU" dirty="0"/>
+              <a:t>Pug</a:t>
+            </a:r>
+          </a:p>
+          <a:p>
+            <a:pPr lvl="1"/>
+            <a:r>
+              <a:rPr lang="en-AU" dirty="0"/>
+              <a:t>Passport-remember-me</a:t>
+            </a:r>
+          </a:p>
+          <a:p>
+            <a:pPr lvl="1"/>
+            <a:r>
+              <a:rPr lang="en-AU" dirty="0"/>
+              <a:t>Express-session</a:t>
+            </a:r>
+          </a:p>
+          <a:p>
+            <a:pPr lvl="1"/>
+            <a:r>
+              <a:rPr lang="en-AU" dirty="0"/>
+              <a:t>Connect-Mongo</a:t>
+            </a:r>
+          </a:p>
+          <a:p>
+            <a:pPr lvl="1"/>
+            <a:r>
+              <a:rPr lang="en-AU" dirty="0"/>
+              <a:t>Method-override</a:t>
+            </a:r>
+          </a:p>
+          <a:p>
+            <a:pPr lvl="1"/>
+            <a:r>
+              <a:rPr lang="en-AU" dirty="0"/>
+              <a:t>Node-fetch</a:t>
+            </a:r>
+          </a:p>
+          <a:p>
+            <a:pPr lvl="1"/>
+            <a:r>
+              <a:rPr lang="en-AU" dirty="0"/>
+              <a:t>Path</a:t>
+            </a:r>
+          </a:p>
+          <a:p>
+            <a:r>
+              <a:rPr lang="en-AU" dirty="0"/>
+              <a:t>Trello</a:t>
+            </a:r>
+          </a:p>
+          <a:p>
+            <a:r>
+              <a:rPr lang="en-AU" dirty="0"/>
+              <a:t>Google Docs</a:t>
+            </a:r>
+          </a:p>
+          <a:p>
+            <a:r>
+              <a:rPr lang="en-AU" dirty="0"/>
+              <a:t>Figma</a:t>
+            </a:r>
+          </a:p>
+          <a:p>
+            <a:endParaRPr lang="en-US" dirty="0"/>
+          </a:p>
+        </p:txBody>
+      </p:sp>
+      <p:pic>
+        <p:nvPicPr>
+          <p:cNvPr id="4" name="Picture 3" descr="Chart&#10;&#10;Description automatically generated">
+            <a:extLst>
+              <a:ext uri="{FF2B5EF4-FFF2-40B4-BE49-F238E27FC236}">
+                <a16:creationId xmlns:a16="http://schemas.microsoft.com/office/drawing/2014/main" id="{9097E0A9-A3E6-AD43-B096-B963868EA5D5}"/>
+              </a:ext>
+            </a:extLst>
+          </p:cNvPr>
+          <p:cNvPicPr>
+            <a:picLocks noChangeAspect="1"/>
+          </p:cNvPicPr>
+          <p:nvPr/>
+        </p:nvPicPr>
+        <p:blipFill>
+          <a:blip r:embed="rId2"/>
+          <a:stretch>
+            <a:fillRect/>
+          </a:stretch>
+        </p:blipFill>
+        <p:spPr>
+          <a:xfrm>
+            <a:off x="3732770" y="660559"/>
+            <a:ext cx="967774" cy="731732"/>
+          </a:xfrm>
+          <a:prstGeom prst="rect">
+            <a:avLst/>
+          </a:prstGeom>
+        </p:spPr>
+      </p:pic>
     </p:spTree>
     <p:extLst>
       <p:ext uri="{BB962C8B-B14F-4D97-AF65-F5344CB8AC3E}">
         <p14:creationId xmlns:p14="http://schemas.microsoft.com/office/powerpoint/2010/main" val="2063485791"/>
+      </p:ext>
+    </p:extLst>
+  </p:cSld>
+  <p:clrMapOvr>
+    <a:masterClrMapping/>
+  </p:clrMapOvr>
+</p:sld>
+</file>
+
+<file path=ppt/slides/slide4.xml><?xml version="1.0" encoding="utf-8"?>
+<p:sld xmlns:a="http://schemas.openxmlformats.org/drawingml/2006/main" xmlns:r="http://schemas.openxmlformats.org/officeDocument/2006/relationships" xmlns:p="http://schemas.openxmlformats.org/presentationml/2006/main">
+  <p:cSld>
+    <p:bg>
+      <p:bgPr>
+        <a:solidFill>
+          <a:schemeClr val="accent1">
+            <a:lumMod val="40000"/>
+            <a:lumOff val="60000"/>
+          </a:schemeClr>
+        </a:solidFill>
+        <a:effectLst/>
+      </p:bgPr>
+    </p:bg>
+    <p:spTree>
+      <p:nvGrpSpPr>
+        <p:cNvPr id="1" name=""/>
+        <p:cNvGrpSpPr/>
+        <p:nvPr/>
+      </p:nvGrpSpPr>
+      <p:grpSpPr>
+        <a:xfrm>
+          <a:off x="0" y="0"/>
+          <a:ext cx="0" cy="0"/>
+          <a:chOff x="0" y="0"/>
+          <a:chExt cx="0" cy="0"/>
+        </a:xfrm>
+      </p:grpSpPr>
+      <p:sp>
+        <p:nvSpPr>
+          <p:cNvPr id="2" name="Title 1">
+            <a:extLst>
+              <a:ext uri="{FF2B5EF4-FFF2-40B4-BE49-F238E27FC236}">
+                <a16:creationId xmlns:a16="http://schemas.microsoft.com/office/drawing/2014/main" id="{07CC8544-3E8B-1E41-8831-F9C84C169161}"/>
+              </a:ext>
+            </a:extLst>
+          </p:cNvPr>
+          <p:cNvSpPr>
+            <a:spLocks noGrp="1"/>
+          </p:cNvSpPr>
+          <p:nvPr>
+            <p:ph type="title"/>
+          </p:nvPr>
+        </p:nvSpPr>
+        <p:spPr/>
+        <p:txBody>
+          <a:bodyPr/>
+          <a:lstStyle/>
+          <a:p>
+            <a:r>
+              <a:rPr lang="en-US" dirty="0"/>
+              <a:t>Features</a:t>
+            </a:r>
+          </a:p>
+        </p:txBody>
+      </p:sp>
+      <p:sp>
+        <p:nvSpPr>
+          <p:cNvPr id="3" name="Content Placeholder 2">
+            <a:extLst>
+              <a:ext uri="{FF2B5EF4-FFF2-40B4-BE49-F238E27FC236}">
+                <a16:creationId xmlns:a16="http://schemas.microsoft.com/office/drawing/2014/main" id="{79ECF4F7-94A8-7E4D-BD3B-6B153EBE96B5}"/>
+              </a:ext>
+            </a:extLst>
+          </p:cNvPr>
+          <p:cNvSpPr>
+            <a:spLocks noGrp="1"/>
+          </p:cNvSpPr>
+          <p:nvPr>
+            <p:ph idx="1"/>
+          </p:nvPr>
+        </p:nvSpPr>
+        <p:spPr/>
+        <p:txBody>
+          <a:bodyPr/>
+          <a:lstStyle/>
+          <a:p>
+            <a:r>
+              <a:rPr lang="en-AU" dirty="0"/>
+              <a:t>User can Register and Login</a:t>
+            </a:r>
+          </a:p>
+          <a:p>
+            <a:r>
+              <a:rPr lang="en-AU" dirty="0"/>
+              <a:t>User can add their name and avatar through edit user</a:t>
+            </a:r>
+          </a:p>
+          <a:p>
+            <a:r>
+              <a:rPr lang="en-AU" dirty="0"/>
+              <a:t>View User Dashboard (authenticated)</a:t>
+            </a:r>
+          </a:p>
+          <a:p>
+            <a:r>
+              <a:rPr lang="en-AU" dirty="0"/>
+              <a:t>Add new tasks, edit and delete</a:t>
+            </a:r>
+          </a:p>
+          <a:p>
+            <a:r>
+              <a:rPr lang="en-AU" dirty="0"/>
+              <a:t>Mark Tasks as Completed which accumulates points</a:t>
+            </a:r>
+          </a:p>
+          <a:p>
+            <a:r>
+              <a:rPr lang="en-AU" dirty="0"/>
+              <a:t>View Total Points on Dashboard</a:t>
+            </a:r>
+          </a:p>
+          <a:p>
+            <a:r>
+              <a:rPr lang="en-AU" dirty="0"/>
+              <a:t>View total and completed task tally on nav bar</a:t>
+            </a:r>
+          </a:p>
+          <a:p>
+            <a:endParaRPr lang="en-US" dirty="0"/>
+          </a:p>
+        </p:txBody>
+      </p:sp>
+      <p:pic>
+        <p:nvPicPr>
+          <p:cNvPr id="4" name="Picture 3" descr="Chart&#10;&#10;Description automatically generated">
+            <a:extLst>
+              <a:ext uri="{FF2B5EF4-FFF2-40B4-BE49-F238E27FC236}">
+                <a16:creationId xmlns:a16="http://schemas.microsoft.com/office/drawing/2014/main" id="{EF201263-B57F-CB45-AE85-C5BE3218F70F}"/>
+              </a:ext>
+            </a:extLst>
+          </p:cNvPr>
+          <p:cNvPicPr>
+            <a:picLocks noChangeAspect="1"/>
+          </p:cNvPicPr>
+          <p:nvPr/>
+        </p:nvPicPr>
+        <p:blipFill>
+          <a:blip r:embed="rId2"/>
+          <a:stretch>
+            <a:fillRect/>
+          </a:stretch>
+        </p:blipFill>
+        <p:spPr>
+          <a:xfrm>
+            <a:off x="3012988" y="681037"/>
+            <a:ext cx="810226" cy="706160"/>
+          </a:xfrm>
+          <a:prstGeom prst="rect">
+            <a:avLst/>
+          </a:prstGeom>
+        </p:spPr>
+      </p:pic>
+    </p:spTree>
+    <p:extLst>
+      <p:ext uri="{BB962C8B-B14F-4D97-AF65-F5344CB8AC3E}">
+        <p14:creationId xmlns:p14="http://schemas.microsoft.com/office/powerpoint/2010/main" val="3347123897"/>
+      </p:ext>
+    </p:extLst>
+  </p:cSld>
+  <p:clrMapOvr>
+    <a:masterClrMapping/>
+  </p:clrMapOvr>
+</p:sld>
+</file>
+
+<file path=ppt/slides/slide5.xml><?xml version="1.0" encoding="utf-8"?>
+<p:sld xmlns:a="http://schemas.openxmlformats.org/drawingml/2006/main" xmlns:r="http://schemas.openxmlformats.org/officeDocument/2006/relationships" xmlns:p="http://schemas.openxmlformats.org/presentationml/2006/main">
+  <p:cSld>
+    <p:bg>
+      <p:bgPr>
+        <a:solidFill>
+          <a:schemeClr val="accent6">
+            <a:lumMod val="40000"/>
+            <a:lumOff val="60000"/>
+          </a:schemeClr>
+        </a:solidFill>
+        <a:effectLst/>
+      </p:bgPr>
+    </p:bg>
+    <p:spTree>
+      <p:nvGrpSpPr>
+        <p:cNvPr id="1" name=""/>
+        <p:cNvGrpSpPr/>
+        <p:nvPr/>
+      </p:nvGrpSpPr>
+      <p:grpSpPr>
+        <a:xfrm>
+          <a:off x="0" y="0"/>
+          <a:ext cx="0" cy="0"/>
+          <a:chOff x="0" y="0"/>
+          <a:chExt cx="0" cy="0"/>
+        </a:xfrm>
+      </p:grpSpPr>
+      <p:sp>
+        <p:nvSpPr>
+          <p:cNvPr id="2" name="Title 1">
+            <a:extLst>
+              <a:ext uri="{FF2B5EF4-FFF2-40B4-BE49-F238E27FC236}">
+                <a16:creationId xmlns:a16="http://schemas.microsoft.com/office/drawing/2014/main" id="{07CC8544-3E8B-1E41-8831-F9C84C169161}"/>
+              </a:ext>
+            </a:extLst>
+          </p:cNvPr>
+          <p:cNvSpPr>
+            <a:spLocks noGrp="1"/>
+          </p:cNvSpPr>
+          <p:nvPr>
+            <p:ph type="title"/>
+          </p:nvPr>
+        </p:nvSpPr>
+        <p:spPr/>
+        <p:txBody>
+          <a:bodyPr/>
+          <a:lstStyle/>
+          <a:p>
+            <a:r>
+              <a:rPr lang="en-US" dirty="0"/>
+              <a:t>Challenges</a:t>
+            </a:r>
+          </a:p>
+        </p:txBody>
+      </p:sp>
+      <p:sp>
+        <p:nvSpPr>
+          <p:cNvPr id="3" name="Content Placeholder 2">
+            <a:extLst>
+              <a:ext uri="{FF2B5EF4-FFF2-40B4-BE49-F238E27FC236}">
+                <a16:creationId xmlns:a16="http://schemas.microsoft.com/office/drawing/2014/main" id="{79ECF4F7-94A8-7E4D-BD3B-6B153EBE96B5}"/>
+              </a:ext>
+            </a:extLst>
+          </p:cNvPr>
+          <p:cNvSpPr>
+            <a:spLocks noGrp="1"/>
+          </p:cNvSpPr>
+          <p:nvPr>
+            <p:ph idx="1"/>
+          </p:nvPr>
+        </p:nvSpPr>
+        <p:spPr/>
+        <p:txBody>
+          <a:bodyPr/>
+          <a:lstStyle/>
+          <a:p>
+            <a:r>
+              <a:rPr lang="en-US" dirty="0"/>
+              <a:t>Setting up a remember me with passport-remember-me.</a:t>
+            </a:r>
+          </a:p>
+          <a:p>
+            <a:r>
+              <a:rPr lang="en-US" dirty="0"/>
+              <a:t>Processing a delete route, discovered the process is a event listener on button then fetch call.</a:t>
+            </a:r>
+          </a:p>
+          <a:p>
+            <a:r>
+              <a:rPr lang="en-US" dirty="0"/>
+              <a:t>Put route for updating task. Issue as HTTP in browsers is only GET and POST. So we discovered NPM method override. Can override a POST method to become PUT.</a:t>
+            </a:r>
+          </a:p>
+          <a:p>
+            <a:r>
+              <a:rPr lang="en-US" dirty="0"/>
+              <a:t>Integrating client side with PUG rendering. </a:t>
+            </a:r>
+          </a:p>
+          <a:p>
+            <a:r>
+              <a:rPr lang="en-US" dirty="0"/>
+              <a:t>Not going overboard with too many features we wanted in the short time. </a:t>
+            </a:r>
+          </a:p>
+        </p:txBody>
+      </p:sp>
+      <p:pic>
+        <p:nvPicPr>
+          <p:cNvPr id="4" name="Picture 3" descr="A picture containing drawing&#10;&#10;Description automatically generated">
+            <a:extLst>
+              <a:ext uri="{FF2B5EF4-FFF2-40B4-BE49-F238E27FC236}">
+                <a16:creationId xmlns:a16="http://schemas.microsoft.com/office/drawing/2014/main" id="{98B2A763-A8E3-204C-ABF9-E8938FD6728B}"/>
+              </a:ext>
+            </a:extLst>
+          </p:cNvPr>
+          <p:cNvPicPr>
+            <a:picLocks noChangeAspect="1"/>
+          </p:cNvPicPr>
+          <p:nvPr/>
+        </p:nvPicPr>
+        <p:blipFill>
+          <a:blip r:embed="rId2"/>
+          <a:stretch>
+            <a:fillRect/>
+          </a:stretch>
+        </p:blipFill>
+        <p:spPr>
+          <a:xfrm>
+            <a:off x="3479285" y="681037"/>
+            <a:ext cx="800615" cy="719393"/>
+          </a:xfrm>
+          <a:prstGeom prst="rect">
+            <a:avLst/>
+          </a:prstGeom>
+        </p:spPr>
+      </p:pic>
+    </p:spTree>
+    <p:extLst>
+      <p:ext uri="{BB962C8B-B14F-4D97-AF65-F5344CB8AC3E}">
+        <p14:creationId xmlns:p14="http://schemas.microsoft.com/office/powerpoint/2010/main" val="3813722082"/>
+      </p:ext>
+    </p:extLst>
+  </p:cSld>
+  <p:clrMapOvr>
+    <a:masterClrMapping/>
+  </p:clrMapOvr>
+</p:sld>
+</file>
+
+<file path=ppt/slides/slide6.xml><?xml version="1.0" encoding="utf-8"?>
+<p:sld xmlns:a="http://schemas.openxmlformats.org/drawingml/2006/main" xmlns:r="http://schemas.openxmlformats.org/officeDocument/2006/relationships" xmlns:p="http://schemas.openxmlformats.org/presentationml/2006/main">
+  <p:cSld>
+    <p:bg>
+      <p:bgPr>
+        <a:solidFill>
+          <a:schemeClr val="accent2">
+            <a:lumMod val="40000"/>
+            <a:lumOff val="60000"/>
+          </a:schemeClr>
+        </a:solidFill>
+        <a:effectLst/>
+      </p:bgPr>
+    </p:bg>
+    <p:spTree>
+      <p:nvGrpSpPr>
+        <p:cNvPr id="1" name=""/>
+        <p:cNvGrpSpPr/>
+        <p:nvPr/>
+      </p:nvGrpSpPr>
+      <p:grpSpPr>
+        <a:xfrm>
+          <a:off x="0" y="0"/>
+          <a:ext cx="0" cy="0"/>
+          <a:chOff x="0" y="0"/>
+          <a:chExt cx="0" cy="0"/>
+        </a:xfrm>
+      </p:grpSpPr>
+      <p:sp>
+        <p:nvSpPr>
+          <p:cNvPr id="2" name="Title 1">
+            <a:extLst>
+              <a:ext uri="{FF2B5EF4-FFF2-40B4-BE49-F238E27FC236}">
+                <a16:creationId xmlns:a16="http://schemas.microsoft.com/office/drawing/2014/main" id="{07CC8544-3E8B-1E41-8831-F9C84C169161}"/>
+              </a:ext>
+            </a:extLst>
+          </p:cNvPr>
+          <p:cNvSpPr>
+            <a:spLocks noGrp="1"/>
+          </p:cNvSpPr>
+          <p:nvPr>
+            <p:ph type="title"/>
+          </p:nvPr>
+        </p:nvSpPr>
+        <p:spPr/>
+        <p:txBody>
+          <a:bodyPr/>
+          <a:lstStyle/>
+          <a:p>
+            <a:r>
+              <a:rPr lang="en-US" dirty="0"/>
+              <a:t>Git Workflow</a:t>
+            </a:r>
+          </a:p>
+        </p:txBody>
+      </p:sp>
+      <p:sp>
+        <p:nvSpPr>
+          <p:cNvPr id="3" name="Content Placeholder 2">
+            <a:extLst>
+              <a:ext uri="{FF2B5EF4-FFF2-40B4-BE49-F238E27FC236}">
+                <a16:creationId xmlns:a16="http://schemas.microsoft.com/office/drawing/2014/main" id="{79ECF4F7-94A8-7E4D-BD3B-6B153EBE96B5}"/>
+              </a:ext>
+            </a:extLst>
+          </p:cNvPr>
+          <p:cNvSpPr>
+            <a:spLocks noGrp="1"/>
+          </p:cNvSpPr>
+          <p:nvPr>
+            <p:ph idx="1"/>
+          </p:nvPr>
+        </p:nvSpPr>
+        <p:spPr/>
+        <p:txBody>
+          <a:bodyPr/>
+          <a:lstStyle/>
+          <a:p>
+            <a:r>
+              <a:rPr lang="en-US" dirty="0"/>
+              <a:t>Main Repository</a:t>
+            </a:r>
+          </a:p>
+          <a:p>
+            <a:r>
+              <a:rPr lang="en-US" dirty="0"/>
+              <a:t>Alex forked from the main.</a:t>
+            </a:r>
+          </a:p>
+          <a:p>
+            <a:r>
+              <a:rPr lang="en-US" dirty="0"/>
+              <a:t>We both used branches for current features/work we were working on.</a:t>
+            </a:r>
+          </a:p>
+          <a:p>
+            <a:r>
+              <a:rPr lang="en-US" dirty="0"/>
+              <a:t>Then once happy with the branch, we pulled latest from main.</a:t>
+            </a:r>
+          </a:p>
+          <a:p>
+            <a:r>
+              <a:rPr lang="en-US" dirty="0"/>
+              <a:t>Then made a pull request to merge with main.</a:t>
+            </a:r>
+          </a:p>
+        </p:txBody>
+      </p:sp>
+      <p:pic>
+        <p:nvPicPr>
+          <p:cNvPr id="4" name="Picture 3" descr="A picture containing chart&#10;&#10;Description automatically generated">
+            <a:extLst>
+              <a:ext uri="{FF2B5EF4-FFF2-40B4-BE49-F238E27FC236}">
+                <a16:creationId xmlns:a16="http://schemas.microsoft.com/office/drawing/2014/main" id="{A839FC73-2445-A244-9A59-C5F78E4978B0}"/>
+              </a:ext>
+            </a:extLst>
+          </p:cNvPr>
+          <p:cNvPicPr>
+            <a:picLocks noChangeAspect="1"/>
+          </p:cNvPicPr>
+          <p:nvPr/>
+        </p:nvPicPr>
+        <p:blipFill>
+          <a:blip r:embed="rId2"/>
+          <a:stretch>
+            <a:fillRect/>
+          </a:stretch>
+        </p:blipFill>
+        <p:spPr>
+          <a:xfrm>
+            <a:off x="4133850" y="710080"/>
+            <a:ext cx="720725" cy="698718"/>
+          </a:xfrm>
+          <a:prstGeom prst="rect">
+            <a:avLst/>
+          </a:prstGeom>
+        </p:spPr>
+      </p:pic>
+    </p:spTree>
+    <p:extLst>
+      <p:ext uri="{BB962C8B-B14F-4D97-AF65-F5344CB8AC3E}">
+        <p14:creationId xmlns:p14="http://schemas.microsoft.com/office/powerpoint/2010/main" val="3491033519"/>
+      </p:ext>
+    </p:extLst>
+  </p:cSld>
+  <p:clrMapOvr>
+    <a:masterClrMapping/>
+  </p:clrMapOvr>
+</p:sld>
+</file>
+
+<file path=ppt/slides/slide7.xml><?xml version="1.0" encoding="utf-8"?>
+<p:sld xmlns:a="http://schemas.openxmlformats.org/drawingml/2006/main" xmlns:r="http://schemas.openxmlformats.org/officeDocument/2006/relationships" xmlns:p="http://schemas.openxmlformats.org/presentationml/2006/main">
+  <p:cSld>
+    <p:bg>
+      <p:bgPr>
+        <a:solidFill>
+          <a:srgbClr val="EA90D8"/>
+        </a:solidFill>
+        <a:effectLst/>
+      </p:bgPr>
+    </p:bg>
+    <p:spTree>
+      <p:nvGrpSpPr>
+        <p:cNvPr id="1" name=""/>
+        <p:cNvGrpSpPr/>
+        <p:nvPr/>
+      </p:nvGrpSpPr>
+      <p:grpSpPr>
+        <a:xfrm>
+          <a:off x="0" y="0"/>
+          <a:ext cx="0" cy="0"/>
+          <a:chOff x="0" y="0"/>
+          <a:chExt cx="0" cy="0"/>
+        </a:xfrm>
+      </p:grpSpPr>
+      <p:sp>
+        <p:nvSpPr>
+          <p:cNvPr id="2" name="Title 1">
+            <a:extLst>
+              <a:ext uri="{FF2B5EF4-FFF2-40B4-BE49-F238E27FC236}">
+                <a16:creationId xmlns:a16="http://schemas.microsoft.com/office/drawing/2014/main" id="{755DCDF3-D42B-3341-BB5E-7027E9D09EF5}"/>
+              </a:ext>
+            </a:extLst>
+          </p:cNvPr>
+          <p:cNvSpPr>
+            <a:spLocks noGrp="1"/>
+          </p:cNvSpPr>
+          <p:nvPr>
+            <p:ph type="title"/>
+          </p:nvPr>
+        </p:nvSpPr>
+        <p:spPr/>
+        <p:txBody>
+          <a:bodyPr/>
+          <a:lstStyle/>
+          <a:p>
+            <a:r>
+              <a:rPr lang="en-US" dirty="0"/>
+              <a:t>Future Features</a:t>
+            </a:r>
+          </a:p>
+        </p:txBody>
+      </p:sp>
+      <p:sp>
+        <p:nvSpPr>
+          <p:cNvPr id="3" name="Content Placeholder 2">
+            <a:extLst>
+              <a:ext uri="{FF2B5EF4-FFF2-40B4-BE49-F238E27FC236}">
+                <a16:creationId xmlns:a16="http://schemas.microsoft.com/office/drawing/2014/main" id="{016A6F16-BC82-464E-AAEF-270CF8BBC82A}"/>
+              </a:ext>
+            </a:extLst>
+          </p:cNvPr>
+          <p:cNvSpPr>
+            <a:spLocks noGrp="1"/>
+          </p:cNvSpPr>
+          <p:nvPr>
+            <p:ph idx="1"/>
+          </p:nvPr>
+        </p:nvSpPr>
+        <p:spPr/>
+        <p:txBody>
+          <a:bodyPr>
+            <a:normAutofit lnSpcReduction="10000"/>
+          </a:bodyPr>
+          <a:lstStyle/>
+          <a:p>
+            <a:r>
+              <a:rPr lang="en-AU" dirty="0"/>
+              <a:t>Health and Ability Earnings</a:t>
+            </a:r>
+          </a:p>
+          <a:p>
+            <a:r>
+              <a:rPr lang="en-AU" dirty="0"/>
+              <a:t>Implement Reward Shopping</a:t>
+            </a:r>
+          </a:p>
+          <a:p>
+            <a:r>
+              <a:rPr lang="en-AU" dirty="0"/>
+              <a:t>Advance Task functions, future dating, repeating, category sorting. </a:t>
+            </a:r>
+          </a:p>
+          <a:p>
+            <a:r>
+              <a:rPr lang="en-AU" dirty="0"/>
+              <a:t>Advanced User account details</a:t>
+            </a:r>
+          </a:p>
+          <a:p>
+            <a:r>
+              <a:rPr lang="en-AU" dirty="0"/>
+              <a:t>Profile image upload file. (not string URL)</a:t>
+            </a:r>
+          </a:p>
+          <a:p>
+            <a:r>
+              <a:rPr lang="en-AU" dirty="0" err="1"/>
+              <a:t>Oauth</a:t>
+            </a:r>
+            <a:r>
+              <a:rPr lang="en-AU" dirty="0"/>
+              <a:t> with account access.</a:t>
+            </a:r>
+          </a:p>
+          <a:p>
+            <a:r>
+              <a:rPr lang="en-AU" dirty="0"/>
+              <a:t>Show total tasks that are getting close to due date.</a:t>
+            </a:r>
+          </a:p>
+          <a:p>
+            <a:pPr marL="0" indent="0">
+              <a:buNone/>
+            </a:pPr>
+            <a:br>
+              <a:rPr lang="en-AU" dirty="0"/>
+            </a:br>
+            <a:endParaRPr lang="en-US" dirty="0"/>
+          </a:p>
+        </p:txBody>
+      </p:sp>
+      <p:pic>
+        <p:nvPicPr>
+          <p:cNvPr id="4" name="Picture 3" descr="A picture containing map&#10;&#10;Description automatically generated">
+            <a:extLst>
+              <a:ext uri="{FF2B5EF4-FFF2-40B4-BE49-F238E27FC236}">
+                <a16:creationId xmlns:a16="http://schemas.microsoft.com/office/drawing/2014/main" id="{DD7D29BC-C243-E54E-A19D-5C37FDB680DA}"/>
+              </a:ext>
+            </a:extLst>
+          </p:cNvPr>
+          <p:cNvPicPr>
+            <a:picLocks noChangeAspect="1"/>
+          </p:cNvPicPr>
+          <p:nvPr/>
+        </p:nvPicPr>
+        <p:blipFill>
+          <a:blip r:embed="rId3"/>
+          <a:stretch>
+            <a:fillRect/>
+          </a:stretch>
+        </p:blipFill>
+        <p:spPr>
+          <a:xfrm>
+            <a:off x="4687587" y="692341"/>
+            <a:ext cx="867376" cy="710544"/>
+          </a:xfrm>
+          <a:prstGeom prst="rect">
+            <a:avLst/>
+          </a:prstGeom>
+        </p:spPr>
+      </p:pic>
+    </p:spTree>
+    <p:extLst>
+      <p:ext uri="{BB962C8B-B14F-4D97-AF65-F5344CB8AC3E}">
+        <p14:creationId xmlns:p14="http://schemas.microsoft.com/office/powerpoint/2010/main" val="1959090758"/>
+      </p:ext>
+    </p:extLst>
+  </p:cSld>
+  <p:clrMapOvr>
+    <a:masterClrMapping/>
+  </p:clrMapOvr>
+</p:sld>
+</file>
+
+<file path=ppt/slides/slide8.xml><?xml version="1.0" encoding="utf-8"?>
+<p:sld xmlns:a="http://schemas.openxmlformats.org/drawingml/2006/main" xmlns:r="http://schemas.openxmlformats.org/officeDocument/2006/relationships" xmlns:p="http://schemas.openxmlformats.org/presentationml/2006/main">
+  <p:cSld>
+    <p:bg>
+      <p:bgPr>
+        <a:solidFill>
+          <a:srgbClr val="DE9DEB"/>
+        </a:solidFill>
+        <a:effectLst/>
+      </p:bgPr>
+    </p:bg>
+    <p:spTree>
+      <p:nvGrpSpPr>
+        <p:cNvPr id="1" name=""/>
+        <p:cNvGrpSpPr/>
+        <p:nvPr/>
+      </p:nvGrpSpPr>
+      <p:grpSpPr>
+        <a:xfrm>
+          <a:off x="0" y="0"/>
+          <a:ext cx="0" cy="0"/>
+          <a:chOff x="0" y="0"/>
+          <a:chExt cx="0" cy="0"/>
+        </a:xfrm>
+      </p:grpSpPr>
+      <p:sp>
+        <p:nvSpPr>
+          <p:cNvPr id="2" name="Title 1">
+            <a:extLst>
+              <a:ext uri="{FF2B5EF4-FFF2-40B4-BE49-F238E27FC236}">
+                <a16:creationId xmlns:a16="http://schemas.microsoft.com/office/drawing/2014/main" id="{8DACDAB6-D263-1040-9418-8D9D7BBFCD89}"/>
+              </a:ext>
+            </a:extLst>
+          </p:cNvPr>
+          <p:cNvSpPr>
+            <a:spLocks noGrp="1"/>
+          </p:cNvSpPr>
+          <p:nvPr>
+            <p:ph type="title"/>
+          </p:nvPr>
+        </p:nvSpPr>
+        <p:spPr>
+          <a:xfrm>
+            <a:off x="4417359" y="2766218"/>
+            <a:ext cx="3357282" cy="1325563"/>
+          </a:xfrm>
+        </p:spPr>
+        <p:txBody>
+          <a:bodyPr/>
+          <a:lstStyle/>
+          <a:p>
+            <a:r>
+              <a:rPr lang="en-US" dirty="0"/>
+              <a:t>THANK YOU</a:t>
+            </a:r>
+          </a:p>
+        </p:txBody>
+      </p:sp>
+    </p:spTree>
+    <p:extLst>
+      <p:ext uri="{BB962C8B-B14F-4D97-AF65-F5344CB8AC3E}">
+        <p14:creationId xmlns:p14="http://schemas.microsoft.com/office/powerpoint/2010/main" val="3571182330"/>
       </p:ext>
     </p:extLst>
   </p:cSld>
@@ -4308,4 +5719,299 @@
     </a:ext>
   </a:extLst>
 </a:theme>
+</file>
+
+<file path=ppt/theme/theme2.xml><?xml version="1.0" encoding="utf-8"?>
+<a:theme xmlns:a="http://schemas.openxmlformats.org/drawingml/2006/main" name="Office Theme">
+  <a:themeElements>
+    <a:clrScheme name="Office">
+      <a:dk1>
+        <a:sysClr val="windowText" lastClr="000000"/>
+      </a:dk1>
+      <a:lt1>
+        <a:sysClr val="window" lastClr="FFFFFF"/>
+      </a:lt1>
+      <a:dk2>
+        <a:srgbClr val="44546A"/>
+      </a:dk2>
+      <a:lt2>
+        <a:srgbClr val="E7E6E6"/>
+      </a:lt2>
+      <a:accent1>
+        <a:srgbClr val="4472C4"/>
+      </a:accent1>
+      <a:accent2>
+        <a:srgbClr val="ED7D31"/>
+      </a:accent2>
+      <a:accent3>
+        <a:srgbClr val="A5A5A5"/>
+      </a:accent3>
+      <a:accent4>
+        <a:srgbClr val="FFC000"/>
+      </a:accent4>
+      <a:accent5>
+        <a:srgbClr val="5B9BD5"/>
+      </a:accent5>
+      <a:accent6>
+        <a:srgbClr val="70AD47"/>
+      </a:accent6>
+      <a:hlink>
+        <a:srgbClr val="0563C1"/>
+      </a:hlink>
+      <a:folHlink>
+        <a:srgbClr val="954F72"/>
+      </a:folHlink>
+    </a:clrScheme>
+    <a:fontScheme name="Office">
+      <a:majorFont>
+        <a:latin typeface="Calibri Light" panose="020F0302020204030204"/>
+        <a:ea typeface=""/>
+        <a:cs typeface=""/>
+        <a:font script="Jpan" typeface="游ゴシック Light"/>
+        <a:font script="Hang" typeface="맑은 고딕"/>
+        <a:font script="Hans" typeface="等线 Light"/>
+        <a:font script="Hant" typeface="新細明體"/>
+        <a:font script="Arab" typeface="Times New Roman"/>
+        <a:font script="Hebr" typeface="Times New Roman"/>
+        <a:font script="Thai" typeface="Angsana New"/>
+        <a:font script="Ethi" typeface="Nyala"/>
+        <a:font script="Beng" typeface="Vrinda"/>
+        <a:font script="Gujr" typeface="Shruti"/>
+        <a:font script="Khmr" typeface="MoolBoran"/>
+        <a:font script="Knda" typeface="Tunga"/>
+        <a:font script="Guru" typeface="Raavi"/>
+        <a:font script="Cans" typeface="Euphemia"/>
+        <a:font script="Cher" typeface="Plantagenet Cherokee"/>
+        <a:font script="Yiii" typeface="Microsoft Yi Baiti"/>
+        <a:font script="Tibt" typeface="Microsoft Himalaya"/>
+        <a:font script="Thaa" typeface="MV Boli"/>
+        <a:font script="Deva" typeface="Mangal"/>
+        <a:font script="Telu" typeface="Gautami"/>
+        <a:font script="Taml" typeface="Latha"/>
+        <a:font script="Syrc" typeface="Estrangelo Edessa"/>
+        <a:font script="Orya" typeface="Kalinga"/>
+        <a:font script="Mlym" typeface="Kartika"/>
+        <a:font script="Laoo" typeface="DokChampa"/>
+        <a:font script="Sinh" typeface="Iskoola Pota"/>
+        <a:font script="Mong" typeface="Mongolian Baiti"/>
+        <a:font script="Viet" typeface="Times New Roman"/>
+        <a:font script="Uigh" typeface="Microsoft Uighur"/>
+        <a:font script="Geor" typeface="Sylfaen"/>
+        <a:font script="Armn" typeface="Arial"/>
+        <a:font script="Bugi" typeface="Leelawadee UI"/>
+        <a:font script="Bopo" typeface="Microsoft JhengHei"/>
+        <a:font script="Java" typeface="Javanese Text"/>
+        <a:font script="Lisu" typeface="Segoe UI"/>
+        <a:font script="Mymr" typeface="Myanmar Text"/>
+        <a:font script="Nkoo" typeface="Ebrima"/>
+        <a:font script="Olck" typeface="Nirmala UI"/>
+        <a:font script="Osma" typeface="Ebrima"/>
+        <a:font script="Phag" typeface="Phagspa"/>
+        <a:font script="Syrn" typeface="Estrangelo Edessa"/>
+        <a:font script="Syrj" typeface="Estrangelo Edessa"/>
+        <a:font script="Syre" typeface="Estrangelo Edessa"/>
+        <a:font script="Sora" typeface="Nirmala UI"/>
+        <a:font script="Tale" typeface="Microsoft Tai Le"/>
+        <a:font script="Talu" typeface="Microsoft New Tai Lue"/>
+        <a:font script="Tfng" typeface="Ebrima"/>
+      </a:majorFont>
+      <a:minorFont>
+        <a:latin typeface="Calibri" panose="020F0502020204030204"/>
+        <a:ea typeface=""/>
+        <a:cs typeface=""/>
+        <a:font script="Jpan" typeface="游ゴシック"/>
+        <a:font script="Hang" typeface="맑은 고딕"/>
+        <a:font script="Hans" typeface="等线"/>
+        <a:font script="Hant" typeface="新細明體"/>
+        <a:font script="Arab" typeface="Arial"/>
+        <a:font script="Hebr" typeface="Arial"/>
+        <a:font script="Thai" typeface="Cordia New"/>
+        <a:font script="Ethi" typeface="Nyala"/>
+        <a:font script="Beng" typeface="Vrinda"/>
+        <a:font script="Gujr" typeface="Shruti"/>
+        <a:font script="Khmr" typeface="DaunPenh"/>
+        <a:font script="Knda" typeface="Tunga"/>
+        <a:font script="Guru" typeface="Raavi"/>
+        <a:font script="Cans" typeface="Euphemia"/>
+        <a:font script="Cher" typeface="Plantagenet Cherokee"/>
+        <a:font script="Yiii" typeface="Microsoft Yi Baiti"/>
+        <a:font script="Tibt" typeface="Microsoft Himalaya"/>
+        <a:font script="Thaa" typeface="MV Boli"/>
+        <a:font script="Deva" typeface="Mangal"/>
+        <a:font script="Telu" typeface="Gautami"/>
+        <a:font script="Taml" typeface="Latha"/>
+        <a:font script="Syrc" typeface="Estrangelo Edessa"/>
+        <a:font script="Orya" typeface="Kalinga"/>
+        <a:font script="Mlym" typeface="Kartika"/>
+        <a:font script="Laoo" typeface="DokChampa"/>
+        <a:font script="Sinh" typeface="Iskoola Pota"/>
+        <a:font script="Mong" typeface="Mongolian Baiti"/>
+        <a:font script="Viet" typeface="Arial"/>
+        <a:font script="Uigh" typeface="Microsoft Uighur"/>
+        <a:font script="Geor" typeface="Sylfaen"/>
+        <a:font script="Armn" typeface="Arial"/>
+        <a:font script="Bugi" typeface="Leelawadee UI"/>
+        <a:font script="Bopo" typeface="Microsoft JhengHei"/>
+        <a:font script="Java" typeface="Javanese Text"/>
+        <a:font script="Lisu" typeface="Segoe UI"/>
+        <a:font script="Mymr" typeface="Myanmar Text"/>
+        <a:font script="Nkoo" typeface="Ebrima"/>
+        <a:font script="Olck" typeface="Nirmala UI"/>
+        <a:font script="Osma" typeface="Ebrima"/>
+        <a:font script="Phag" typeface="Phagspa"/>
+        <a:font script="Syrn" typeface="Estrangelo Edessa"/>
+        <a:font script="Syrj" typeface="Estrangelo Edessa"/>
+        <a:font script="Syre" typeface="Estrangelo Edessa"/>
+        <a:font script="Sora" typeface="Nirmala UI"/>
+        <a:font script="Tale" typeface="Microsoft Tai Le"/>
+        <a:font script="Talu" typeface="Microsoft New Tai Lue"/>
+        <a:font script="Tfng" typeface="Ebrima"/>
+      </a:minorFont>
+    </a:fontScheme>
+    <a:fmtScheme name="Office">
+      <a:fillStyleLst>
+        <a:solidFill>
+          <a:schemeClr val="phClr"/>
+        </a:solidFill>
+        <a:gradFill rotWithShape="1">
+          <a:gsLst>
+            <a:gs pos="0">
+              <a:schemeClr val="phClr">
+                <a:lumMod val="110000"/>
+                <a:satMod val="105000"/>
+                <a:tint val="67000"/>
+              </a:schemeClr>
+            </a:gs>
+            <a:gs pos="50000">
+              <a:schemeClr val="phClr">
+                <a:lumMod val="105000"/>
+                <a:satMod val="103000"/>
+                <a:tint val="73000"/>
+              </a:schemeClr>
+            </a:gs>
+            <a:gs pos="100000">
+              <a:schemeClr val="phClr">
+                <a:lumMod val="105000"/>
+                <a:satMod val="109000"/>
+                <a:tint val="81000"/>
+              </a:schemeClr>
+            </a:gs>
+          </a:gsLst>
+          <a:lin ang="5400000" scaled="0"/>
+        </a:gradFill>
+        <a:gradFill rotWithShape="1">
+          <a:gsLst>
+            <a:gs pos="0">
+              <a:schemeClr val="phClr">
+                <a:satMod val="103000"/>
+                <a:lumMod val="102000"/>
+                <a:tint val="94000"/>
+              </a:schemeClr>
+            </a:gs>
+            <a:gs pos="50000">
+              <a:schemeClr val="phClr">
+                <a:satMod val="110000"/>
+                <a:lumMod val="100000"/>
+                <a:shade val="100000"/>
+              </a:schemeClr>
+            </a:gs>
+            <a:gs pos="100000">
+              <a:schemeClr val="phClr">
+                <a:lumMod val="99000"/>
+                <a:satMod val="120000"/>
+                <a:shade val="78000"/>
+              </a:schemeClr>
+            </a:gs>
+          </a:gsLst>
+          <a:lin ang="5400000" scaled="0"/>
+        </a:gradFill>
+      </a:fillStyleLst>
+      <a:lnStyleLst>
+        <a:ln w="6350" cap="flat" cmpd="sng" algn="ctr">
+          <a:solidFill>
+            <a:schemeClr val="phClr"/>
+          </a:solidFill>
+          <a:prstDash val="solid"/>
+          <a:miter lim="800000"/>
+        </a:ln>
+        <a:ln w="12700" cap="flat" cmpd="sng" algn="ctr">
+          <a:solidFill>
+            <a:schemeClr val="phClr"/>
+          </a:solidFill>
+          <a:prstDash val="solid"/>
+          <a:miter lim="800000"/>
+        </a:ln>
+        <a:ln w="19050" cap="flat" cmpd="sng" algn="ctr">
+          <a:solidFill>
+            <a:schemeClr val="phClr"/>
+          </a:solidFill>
+          <a:prstDash val="solid"/>
+          <a:miter lim="800000"/>
+        </a:ln>
+      </a:lnStyleLst>
+      <a:effectStyleLst>
+        <a:effectStyle>
+          <a:effectLst/>
+        </a:effectStyle>
+        <a:effectStyle>
+          <a:effectLst/>
+        </a:effectStyle>
+        <a:effectStyle>
+          <a:effectLst>
+            <a:outerShdw blurRad="57150" dist="19050" dir="5400000" algn="ctr" rotWithShape="0">
+              <a:srgbClr val="000000">
+                <a:alpha val="63000"/>
+              </a:srgbClr>
+            </a:outerShdw>
+          </a:effectLst>
+        </a:effectStyle>
+      </a:effectStyleLst>
+      <a:bgFillStyleLst>
+        <a:solidFill>
+          <a:schemeClr val="phClr"/>
+        </a:solidFill>
+        <a:solidFill>
+          <a:schemeClr val="phClr">
+            <a:tint val="95000"/>
+            <a:satMod val="170000"/>
+          </a:schemeClr>
+        </a:solidFill>
+        <a:gradFill rotWithShape="1">
+          <a:gsLst>
+            <a:gs pos="0">
+              <a:schemeClr val="phClr">
+                <a:tint val="93000"/>
+                <a:satMod val="150000"/>
+                <a:shade val="98000"/>
+                <a:lumMod val="102000"/>
+              </a:schemeClr>
+            </a:gs>
+            <a:gs pos="50000">
+              <a:schemeClr val="phClr">
+                <a:tint val="98000"/>
+                <a:satMod val="130000"/>
+                <a:shade val="90000"/>
+                <a:lumMod val="103000"/>
+              </a:schemeClr>
+            </a:gs>
+            <a:gs pos="100000">
+              <a:schemeClr val="phClr">
+                <a:shade val="63000"/>
+                <a:satMod val="120000"/>
+              </a:schemeClr>
+            </a:gs>
+          </a:gsLst>
+          <a:lin ang="5400000" scaled="0"/>
+        </a:gradFill>
+      </a:bgFillStyleLst>
+    </a:fmtScheme>
+  </a:themeElements>
+  <a:objectDefaults/>
+  <a:extraClrSchemeLst/>
+  <a:extLst>
+    <a:ext uri="{05A4C25C-085E-4340-85A3-A5531E510DB2}">
+      <thm15:themeFamily xmlns:thm15="http://schemas.microsoft.com/office/thememl/2012/main" name="Office Theme" id="{62F939B6-93AF-4DB8-9C6B-D6C7DFDC589F}" vid="{4A3C46E8-61CC-4603-A589-7422A47A8E4A}"/>
+    </a:ext>
+  </a:extLst>
+</a:theme>
 </file>
--- a/docs/Presentation1.pptx
+++ b/docs/Presentation1.pptx
@@ -4929,7 +4929,7 @@
           <a:p>
             <a:r>
               <a:rPr lang="en-US" dirty="0"/>
-              <a:t>Challenges</a:t>
+              <a:t>Specific Challenges</a:t>
             </a:r>
           </a:p>
         </p:txBody>
@@ -4963,7 +4963,7 @@
           <a:p>
             <a:r>
               <a:rPr lang="en-US" dirty="0"/>
-              <a:t>Processing a delete route, discovered the process is a event listener on button then fetch call.</a:t>
+              <a:t>Processing a delete route, discovered the process is an event listener on button then fetch call.</a:t>
             </a:r>
           </a:p>
           <a:p>
@@ -4975,7 +4975,13 @@
           <a:p>
             <a:r>
               <a:rPr lang="en-US" dirty="0"/>
-              <a:t>Integrating client side with PUG rendering. </a:t>
+              <a:t>Integrating client side with PUG rendering.</a:t>
+            </a:r>
+          </a:p>
+          <a:p>
+            <a:r>
+              <a:rPr lang="en-US" dirty="0"/>
+              <a:t>Updating task and user was wiping data. </a:t>
             </a:r>
           </a:p>
           <a:p>
@@ -5008,7 +5014,7 @@
         </p:blipFill>
         <p:spPr>
           <a:xfrm>
-            <a:off x="3479285" y="681037"/>
+            <a:off x="5295385" y="668209"/>
             <a:ext cx="800615" cy="719393"/>
           </a:xfrm>
           <a:prstGeom prst="rect">
@@ -5108,7 +5114,15 @@
           <a:p>
             <a:r>
               <a:rPr lang="en-US" dirty="0"/>
-              <a:t>Main Repository</a:t>
+              <a:t>Main Repository, created on Shelby’s </a:t>
+            </a:r>
+            <a:r>
+              <a:rPr lang="en-US" dirty="0" err="1"/>
+              <a:t>Github</a:t>
+            </a:r>
+            <a:r>
+              <a:rPr lang="en-US" dirty="0"/>
+              <a:t>.</a:t>
             </a:r>
           </a:p>
           <a:p>
@@ -5133,6 +5147,12 @@
             <a:r>
               <a:rPr lang="en-US" dirty="0"/>
               <a:t>Then made a pull request to merge with main.</a:t>
+            </a:r>
+          </a:p>
+          <a:p>
+            <a:r>
+              <a:rPr lang="en-US" dirty="0"/>
+              <a:t>Workflow was smooth and merge conflicts were resolved with ease.</a:t>
             </a:r>
           </a:p>
         </p:txBody>

--- a/docs/Presentation1.pptx
+++ b/docs/Presentation1.pptx
@@ -5,17 +5,16 @@
     <p:sldMasterId id="2147483648" r:id="rId1"/>
   </p:sldMasterIdLst>
   <p:notesMasterIdLst>
-    <p:notesMasterId r:id="rId10"/>
+    <p:notesMasterId r:id="rId9"/>
   </p:notesMasterIdLst>
   <p:sldIdLst>
     <p:sldId id="256" r:id="rId2"/>
     <p:sldId id="257" r:id="rId3"/>
-    <p:sldId id="258" r:id="rId4"/>
-    <p:sldId id="261" r:id="rId5"/>
-    <p:sldId id="260" r:id="rId6"/>
-    <p:sldId id="259" r:id="rId7"/>
-    <p:sldId id="262" r:id="rId8"/>
-    <p:sldId id="263" r:id="rId9"/>
+    <p:sldId id="259" r:id="rId4"/>
+    <p:sldId id="258" r:id="rId5"/>
+    <p:sldId id="261" r:id="rId6"/>
+    <p:sldId id="260" r:id="rId7"/>
+    <p:sldId id="263" r:id="rId8"/>
   </p:sldIdLst>
   <p:sldSz cx="12192000" cy="6858000"/>
   <p:notesSz cx="6858000" cy="9144000"/>
@@ -114,6 +113,11 @@
       </a:defRPr>
     </a:lvl9pPr>
   </p:defaultTextStyle>
+  <p:extLst>
+    <p:ext uri="{EFAFB233-063F-42B5-8137-9DF3F51BA10A}">
+      <p15:sldGuideLst xmlns:p15="http://schemas.microsoft.com/office/powerpoint/2012/main"/>
+    </p:ext>
+  </p:extLst>
 </p:presentation>
 </file>
 
@@ -465,90 +469,6 @@
     </a:lvl9pPr>
   </p:notesStyle>
 </p:notesMaster>
-</file>
-
-<file path=ppt/notesSlides/notesSlide1.xml><?xml version="1.0" encoding="utf-8"?>
-<p:notes xmlns:a="http://schemas.openxmlformats.org/drawingml/2006/main" xmlns:r="http://schemas.openxmlformats.org/officeDocument/2006/relationships" xmlns:p="http://schemas.openxmlformats.org/presentationml/2006/main">
-  <p:cSld>
-    <p:spTree>
-      <p:nvGrpSpPr>
-        <p:cNvPr id="1" name=""/>
-        <p:cNvGrpSpPr/>
-        <p:nvPr/>
-      </p:nvGrpSpPr>
-      <p:grpSpPr>
-        <a:xfrm>
-          <a:off x="0" y="0"/>
-          <a:ext cx="0" cy="0"/>
-          <a:chOff x="0" y="0"/>
-          <a:chExt cx="0" cy="0"/>
-        </a:xfrm>
-      </p:grpSpPr>
-      <p:sp>
-        <p:nvSpPr>
-          <p:cNvPr id="2" name="Slide Image Placeholder 1"/>
-          <p:cNvSpPr>
-            <a:spLocks noGrp="1" noRot="1" noChangeAspect="1"/>
-          </p:cNvSpPr>
-          <p:nvPr>
-            <p:ph type="sldImg"/>
-          </p:nvPr>
-        </p:nvSpPr>
-        <p:spPr/>
-      </p:sp>
-      <p:sp>
-        <p:nvSpPr>
-          <p:cNvPr id="3" name="Notes Placeholder 2"/>
-          <p:cNvSpPr>
-            <a:spLocks noGrp="1"/>
-          </p:cNvSpPr>
-          <p:nvPr>
-            <p:ph type="body" idx="1"/>
-          </p:nvPr>
-        </p:nvSpPr>
-        <p:spPr/>
-        <p:txBody>
-          <a:bodyPr/>
-          <a:lstStyle/>
-          <a:p>
-            <a:endParaRPr lang="en-US" dirty="0"/>
-          </a:p>
-        </p:txBody>
-      </p:sp>
-      <p:sp>
-        <p:nvSpPr>
-          <p:cNvPr id="4" name="Slide Number Placeholder 3"/>
-          <p:cNvSpPr>
-            <a:spLocks noGrp="1"/>
-          </p:cNvSpPr>
-          <p:nvPr>
-            <p:ph type="sldNum" sz="quarter" idx="5"/>
-          </p:nvPr>
-        </p:nvSpPr>
-        <p:spPr/>
-        <p:txBody>
-          <a:bodyPr/>
-          <a:lstStyle/>
-          <a:p>
-            <a:fld id="{643B01F8-19B3-8042-A07C-0F1961434FC4}" type="slidenum">
-              <a:rPr lang="en-US" smtClean="0"/>
-              <a:t>7</a:t>
-            </a:fld>
-            <a:endParaRPr lang="en-US"/>
-          </a:p>
-        </p:txBody>
-      </p:sp>
-    </p:spTree>
-    <p:extLst>
-      <p:ext uri="{BB962C8B-B14F-4D97-AF65-F5344CB8AC3E}">
-        <p14:creationId xmlns:p14="http://schemas.microsoft.com/office/powerpoint/2010/main" val="262517229"/>
-      </p:ext>
-    </p:extLst>
-  </p:cSld>
-  <p:clrMapOvr>
-    <a:masterClrMapping/>
-  </p:clrMapOvr>
-</p:notes>
 </file>
 
 <file path=ppt/slideLayouts/slideLayout1.xml><?xml version="1.0" encoding="utf-8"?>
@@ -3868,32 +3788,44 @@
           <a:lstStyle/>
           <a:p>
             <a:r>
-              <a:rPr lang="en-US" dirty="0"/>
+              <a:rPr lang="en-US" b="1" dirty="0">
+                <a:latin typeface="Quicksand Book" panose="02070303000000060000" pitchFamily="18" charset="77"/>
+              </a:rPr>
               <a:t>By </a:t>
             </a:r>
           </a:p>
           <a:p>
             <a:r>
-              <a:rPr lang="en-US" dirty="0"/>
+              <a:rPr lang="en-US" b="1" dirty="0">
+                <a:latin typeface="Quicksand Book" panose="02070303000000060000" pitchFamily="18" charset="77"/>
+              </a:rPr>
               <a:t>Shelby El-rassi</a:t>
             </a:r>
           </a:p>
           <a:p>
             <a:r>
-              <a:rPr lang="en-US" dirty="0"/>
+              <a:rPr lang="en-US" b="1" dirty="0">
+                <a:latin typeface="Quicksand Book" panose="02070303000000060000" pitchFamily="18" charset="77"/>
+              </a:rPr>
               <a:t>&amp;</a:t>
             </a:r>
           </a:p>
           <a:p>
             <a:r>
-              <a:rPr lang="en-US" dirty="0"/>
+              <a:rPr lang="en-US" b="1" dirty="0">
+                <a:latin typeface="Quicksand Book" panose="02070303000000060000" pitchFamily="18" charset="77"/>
+              </a:rPr>
               <a:t>Alexander </a:t>
             </a:r>
             <a:r>
-              <a:rPr lang="en-US" dirty="0" err="1"/>
+              <a:rPr lang="en-US" b="1" dirty="0" err="1">
+                <a:latin typeface="Quicksand Book" panose="02070303000000060000" pitchFamily="18" charset="77"/>
+              </a:rPr>
               <a:t>Qiang</a:t>
             </a:r>
-            <a:endParaRPr lang="en-US" dirty="0"/>
+            <a:endParaRPr lang="en-US" b="1" dirty="0">
+              <a:latin typeface="Quicksand Book" panose="02070303000000060000" pitchFamily="18" charset="77"/>
+            </a:endParaRPr>
           </a:p>
         </p:txBody>
       </p:sp>
@@ -4329,7 +4261,9 @@
           <a:lstStyle/>
           <a:p>
             <a:r>
-              <a:rPr lang="en-US" dirty="0"/>
+              <a:rPr lang="en-US" dirty="0">
+                <a:latin typeface="Quicksand Book" panose="02070303000000060000" pitchFamily="18" charset="77"/>
+              </a:rPr>
               <a:t>Purpose</a:t>
             </a:r>
           </a:p>
@@ -4381,7 +4315,7 @@
             <a:pPr fontAlgn="base"/>
             <a:r>
               <a:rPr lang="en-AU" dirty="0"/>
-              <a:t>List making, note taking reminders and scribbles are common nowadays. A gamified version just adds a modern-day fun spin on a standard task tracker.</a:t>
+              <a:t>A gamified version just adds a modern-day fun spin on a standard task tracker.</a:t>
             </a:r>
           </a:p>
           <a:p>
@@ -4411,7 +4345,7 @@
         </p:blipFill>
         <p:spPr>
           <a:xfrm>
-            <a:off x="3181204" y="681037"/>
+            <a:off x="3394564" y="633735"/>
             <a:ext cx="736647" cy="788341"/>
           </a:xfrm>
           <a:prstGeom prst="rect">
@@ -4438,6 +4372,310 @@
     <p:bg>
       <p:bgPr>
         <a:solidFill>
+          <a:schemeClr val="accent2">
+            <a:lumMod val="40000"/>
+            <a:lumOff val="60000"/>
+          </a:schemeClr>
+        </a:solidFill>
+        <a:effectLst/>
+      </p:bgPr>
+    </p:bg>
+    <p:spTree>
+      <p:nvGrpSpPr>
+        <p:cNvPr id="1" name=""/>
+        <p:cNvGrpSpPr/>
+        <p:nvPr/>
+      </p:nvGrpSpPr>
+      <p:grpSpPr>
+        <a:xfrm>
+          <a:off x="0" y="0"/>
+          <a:ext cx="0" cy="0"/>
+          <a:chOff x="0" y="0"/>
+          <a:chExt cx="0" cy="0"/>
+        </a:xfrm>
+      </p:grpSpPr>
+      <p:sp>
+        <p:nvSpPr>
+          <p:cNvPr id="2" name="Title 1">
+            <a:extLst>
+              <a:ext uri="{FF2B5EF4-FFF2-40B4-BE49-F238E27FC236}">
+                <a16:creationId xmlns:a16="http://schemas.microsoft.com/office/drawing/2014/main" id="{07CC8544-3E8B-1E41-8831-F9C84C169161}"/>
+              </a:ext>
+            </a:extLst>
+          </p:cNvPr>
+          <p:cNvSpPr>
+            <a:spLocks noGrp="1"/>
+          </p:cNvSpPr>
+          <p:nvPr>
+            <p:ph type="title"/>
+          </p:nvPr>
+        </p:nvSpPr>
+        <p:spPr/>
+        <p:txBody>
+          <a:bodyPr/>
+          <a:lstStyle/>
+          <a:p>
+            <a:r>
+              <a:rPr lang="en-US" dirty="0">
+                <a:latin typeface="Quicksand Book" panose="02070303000000060000" pitchFamily="18" charset="77"/>
+              </a:rPr>
+              <a:t>Workflow</a:t>
+            </a:r>
+          </a:p>
+        </p:txBody>
+      </p:sp>
+      <p:sp>
+        <p:nvSpPr>
+          <p:cNvPr id="3" name="Content Placeholder 2">
+            <a:extLst>
+              <a:ext uri="{FF2B5EF4-FFF2-40B4-BE49-F238E27FC236}">
+                <a16:creationId xmlns:a16="http://schemas.microsoft.com/office/drawing/2014/main" id="{79ECF4F7-94A8-7E4D-BD3B-6B153EBE96B5}"/>
+              </a:ext>
+            </a:extLst>
+          </p:cNvPr>
+          <p:cNvSpPr>
+            <a:spLocks noGrp="1"/>
+          </p:cNvSpPr>
+          <p:nvPr>
+            <p:ph idx="1"/>
+          </p:nvPr>
+        </p:nvSpPr>
+        <p:spPr/>
+        <p:txBody>
+          <a:bodyPr>
+            <a:normAutofit fontScale="85000" lnSpcReduction="20000"/>
+          </a:bodyPr>
+          <a:lstStyle/>
+          <a:p>
+            <a:r>
+              <a:rPr lang="en-US" dirty="0"/>
+              <a:t>Trello for planning</a:t>
+            </a:r>
+          </a:p>
+          <a:p>
+            <a:pPr marL="0" indent="0">
+              <a:buNone/>
+            </a:pPr>
+            <a:endParaRPr lang="en-US" dirty="0"/>
+          </a:p>
+          <a:p>
+            <a:r>
+              <a:rPr lang="en-US" dirty="0"/>
+              <a:t>First day google notes</a:t>
+            </a:r>
+          </a:p>
+          <a:p>
+            <a:endParaRPr lang="en-US" dirty="0"/>
+          </a:p>
+          <a:p>
+            <a:r>
+              <a:rPr lang="en-US" dirty="0"/>
+              <a:t>Basic Wireframe</a:t>
+            </a:r>
+          </a:p>
+          <a:p>
+            <a:pPr marL="0" indent="0">
+              <a:buNone/>
+            </a:pPr>
+            <a:endParaRPr lang="en-US" dirty="0"/>
+          </a:p>
+          <a:p>
+            <a:r>
+              <a:rPr lang="en-US" dirty="0"/>
+              <a:t>Git Workflow</a:t>
+            </a:r>
+          </a:p>
+          <a:p>
+            <a:pPr lvl="1"/>
+            <a:r>
+              <a:rPr lang="en-US" dirty="0"/>
+              <a:t>Main Repository, created on Shelby’s </a:t>
+            </a:r>
+            <a:r>
+              <a:rPr lang="en-US" dirty="0" err="1"/>
+              <a:t>Github</a:t>
+            </a:r>
+            <a:r>
+              <a:rPr lang="en-US" dirty="0"/>
+              <a:t>.</a:t>
+            </a:r>
+          </a:p>
+          <a:p>
+            <a:pPr lvl="1"/>
+            <a:r>
+              <a:rPr lang="en-US" dirty="0"/>
+              <a:t>Alex forked from the main.</a:t>
+            </a:r>
+          </a:p>
+          <a:p>
+            <a:pPr lvl="1"/>
+            <a:r>
+              <a:rPr lang="en-US" dirty="0"/>
+              <a:t>We both used branches for current features/work we were working on.</a:t>
+            </a:r>
+          </a:p>
+          <a:p>
+            <a:pPr lvl="1"/>
+            <a:r>
+              <a:rPr lang="en-US" dirty="0"/>
+              <a:t>Then once happy with the branch, we pulled latest from main.</a:t>
+            </a:r>
+          </a:p>
+          <a:p>
+            <a:pPr lvl="1"/>
+            <a:r>
+              <a:rPr lang="en-US" dirty="0"/>
+              <a:t>Then made a pull request to merge with main.</a:t>
+            </a:r>
+          </a:p>
+          <a:p>
+            <a:pPr lvl="1"/>
+            <a:r>
+              <a:rPr lang="en-US" dirty="0"/>
+              <a:t>Workflow was smooth and merge conflicts were resolved with ease.</a:t>
+            </a:r>
+          </a:p>
+        </p:txBody>
+      </p:sp>
+      <p:pic>
+        <p:nvPicPr>
+          <p:cNvPr id="4" name="Picture 3" descr="A picture containing chart&#10;&#10;Description automatically generated">
+            <a:extLst>
+              <a:ext uri="{FF2B5EF4-FFF2-40B4-BE49-F238E27FC236}">
+                <a16:creationId xmlns:a16="http://schemas.microsoft.com/office/drawing/2014/main" id="{A839FC73-2445-A244-9A59-C5F78E4978B0}"/>
+              </a:ext>
+            </a:extLst>
+          </p:cNvPr>
+          <p:cNvPicPr>
+            <a:picLocks noChangeAspect="1"/>
+          </p:cNvPicPr>
+          <p:nvPr/>
+        </p:nvPicPr>
+        <p:blipFill>
+          <a:blip r:embed="rId2"/>
+          <a:stretch>
+            <a:fillRect/>
+          </a:stretch>
+        </p:blipFill>
+        <p:spPr>
+          <a:xfrm>
+            <a:off x="3650890" y="681037"/>
+            <a:ext cx="720725" cy="698718"/>
+          </a:xfrm>
+          <a:prstGeom prst="rect">
+            <a:avLst/>
+          </a:prstGeom>
+        </p:spPr>
+      </p:pic>
+      <p:pic>
+        <p:nvPicPr>
+          <p:cNvPr id="6" name="Picture 5" descr="A screenshot of a computer&#10;&#10;Description automatically generated">
+            <a:extLst>
+              <a:ext uri="{FF2B5EF4-FFF2-40B4-BE49-F238E27FC236}">
+                <a16:creationId xmlns:a16="http://schemas.microsoft.com/office/drawing/2014/main" id="{9FAF84F1-CF2A-DC49-A4BD-3646422E97FE}"/>
+              </a:ext>
+            </a:extLst>
+          </p:cNvPr>
+          <p:cNvPicPr>
+            <a:picLocks noChangeAspect="1"/>
+          </p:cNvPicPr>
+          <p:nvPr/>
+        </p:nvPicPr>
+        <p:blipFill>
+          <a:blip r:embed="rId3"/>
+          <a:stretch>
+            <a:fillRect/>
+          </a:stretch>
+        </p:blipFill>
+        <p:spPr>
+          <a:xfrm>
+            <a:off x="6381385" y="77410"/>
+            <a:ext cx="5670309" cy="2599709"/>
+          </a:xfrm>
+          <a:prstGeom prst="rect">
+            <a:avLst/>
+          </a:prstGeom>
+        </p:spPr>
+      </p:pic>
+      <p:pic>
+        <p:nvPicPr>
+          <p:cNvPr id="8" name="Picture 7" descr="A picture containing text&#10;&#10;Description automatically generated">
+            <a:extLst>
+              <a:ext uri="{FF2B5EF4-FFF2-40B4-BE49-F238E27FC236}">
+                <a16:creationId xmlns:a16="http://schemas.microsoft.com/office/drawing/2014/main" id="{37E07A51-CD7B-084F-A1A4-CCC592A69598}"/>
+              </a:ext>
+            </a:extLst>
+          </p:cNvPr>
+          <p:cNvPicPr>
+            <a:picLocks noChangeAspect="1"/>
+          </p:cNvPicPr>
+          <p:nvPr/>
+        </p:nvPicPr>
+        <p:blipFill>
+          <a:blip r:embed="rId4"/>
+          <a:stretch>
+            <a:fillRect/>
+          </a:stretch>
+        </p:blipFill>
+        <p:spPr>
+          <a:xfrm>
+            <a:off x="4699846" y="784076"/>
+            <a:ext cx="2792308" cy="3148469"/>
+          </a:xfrm>
+          <a:prstGeom prst="rect">
+            <a:avLst/>
+          </a:prstGeom>
+        </p:spPr>
+      </p:pic>
+      <p:pic>
+        <p:nvPicPr>
+          <p:cNvPr id="10" name="Picture 9" descr="Graphical user interface&#10;&#10;Description automatically generated">
+            <a:extLst>
+              <a:ext uri="{FF2B5EF4-FFF2-40B4-BE49-F238E27FC236}">
+                <a16:creationId xmlns:a16="http://schemas.microsoft.com/office/drawing/2014/main" id="{A32F24DF-0653-ED49-9E93-46605EA3DBB6}"/>
+              </a:ext>
+            </a:extLst>
+          </p:cNvPr>
+          <p:cNvPicPr>
+            <a:picLocks noChangeAspect="1"/>
+          </p:cNvPicPr>
+          <p:nvPr/>
+        </p:nvPicPr>
+        <p:blipFill>
+          <a:blip r:embed="rId5"/>
+          <a:stretch>
+            <a:fillRect/>
+          </a:stretch>
+        </p:blipFill>
+        <p:spPr>
+          <a:xfrm>
+            <a:off x="7820385" y="2903496"/>
+            <a:ext cx="2792307" cy="1921978"/>
+          </a:xfrm>
+          <a:prstGeom prst="rect">
+            <a:avLst/>
+          </a:prstGeom>
+        </p:spPr>
+      </p:pic>
+    </p:spTree>
+    <p:extLst>
+      <p:ext uri="{BB962C8B-B14F-4D97-AF65-F5344CB8AC3E}">
+        <p14:creationId xmlns:p14="http://schemas.microsoft.com/office/powerpoint/2010/main" val="3491033519"/>
+      </p:ext>
+    </p:extLst>
+  </p:cSld>
+  <p:clrMapOvr>
+    <a:masterClrMapping/>
+  </p:clrMapOvr>
+</p:sld>
+</file>
+
+<file path=ppt/slides/slide4.xml><?xml version="1.0" encoding="utf-8"?>
+<p:sld xmlns:a="http://schemas.openxmlformats.org/drawingml/2006/main" xmlns:r="http://schemas.openxmlformats.org/officeDocument/2006/relationships" xmlns:p="http://schemas.openxmlformats.org/presentationml/2006/main">
+  <p:cSld>
+    <p:bg>
+      <p:bgPr>
+        <a:solidFill>
           <a:srgbClr val="DE9DEB"/>
         </a:solidFill>
         <a:effectLst/>
@@ -4479,7 +4717,9 @@
           <a:lstStyle/>
           <a:p>
             <a:r>
-              <a:rPr lang="en-US" dirty="0"/>
+              <a:rPr lang="en-US" dirty="0">
+                <a:latin typeface="Quicksand Book" panose="02070303000000060000" pitchFamily="18" charset="77"/>
+              </a:rPr>
               <a:t>Technology</a:t>
             </a:r>
           </a:p>
@@ -4691,7 +4931,7 @@
         </p:blipFill>
         <p:spPr>
           <a:xfrm>
-            <a:off x="3732770" y="660559"/>
+            <a:off x="4449050" y="681037"/>
             <a:ext cx="967774" cy="731732"/>
           </a:xfrm>
           <a:prstGeom prst="rect">
@@ -4712,7 +4952,7 @@
 </p:sld>
 </file>
 
-<file path=ppt/slides/slide4.xml><?xml version="1.0" encoding="utf-8"?>
+<file path=ppt/slides/slide5.xml><?xml version="1.0" encoding="utf-8"?>
 <p:sld xmlns:a="http://schemas.openxmlformats.org/drawingml/2006/main" xmlns:r="http://schemas.openxmlformats.org/officeDocument/2006/relationships" xmlns:p="http://schemas.openxmlformats.org/presentationml/2006/main">
   <p:cSld>
     <p:bg>
@@ -4762,7 +5002,9 @@
           <a:lstStyle/>
           <a:p>
             <a:r>
-              <a:rPr lang="en-US" dirty="0"/>
+              <a:rPr lang="en-US" dirty="0">
+                <a:latin typeface="Quicksand Book" panose="02070303000000060000" pitchFamily="18" charset="77"/>
+              </a:rPr>
               <a:t>Features</a:t>
             </a:r>
           </a:p>
@@ -4786,49 +5028,135 @@
         </p:nvSpPr>
         <p:spPr/>
         <p:txBody>
-          <a:bodyPr/>
-          <a:lstStyle/>
-          <a:p>
+          <a:bodyPr numCol="2">
+            <a:normAutofit fontScale="92500" lnSpcReduction="20000"/>
+          </a:bodyPr>
+          <a:lstStyle/>
+          <a:p>
+            <a:r>
+              <a:rPr lang="en-AU" dirty="0"/>
+              <a:t>CURRENT</a:t>
+            </a:r>
+          </a:p>
+          <a:p>
+            <a:pPr lvl="1"/>
             <a:r>
               <a:rPr lang="en-AU" dirty="0"/>
               <a:t>User can Register and Login</a:t>
             </a:r>
           </a:p>
           <a:p>
+            <a:pPr lvl="1"/>
             <a:r>
               <a:rPr lang="en-AU" dirty="0"/>
               <a:t>User can add their name and avatar through edit user</a:t>
             </a:r>
           </a:p>
           <a:p>
+            <a:pPr lvl="1"/>
             <a:r>
               <a:rPr lang="en-AU" dirty="0"/>
               <a:t>View User Dashboard (authenticated)</a:t>
             </a:r>
           </a:p>
           <a:p>
+            <a:pPr lvl="1"/>
             <a:r>
               <a:rPr lang="en-AU" dirty="0"/>
               <a:t>Add new tasks, edit and delete</a:t>
             </a:r>
           </a:p>
           <a:p>
+            <a:pPr lvl="1"/>
             <a:r>
               <a:rPr lang="en-AU" dirty="0"/>
               <a:t>Mark Tasks as Completed which accumulates points</a:t>
             </a:r>
           </a:p>
           <a:p>
+            <a:pPr lvl="1"/>
             <a:r>
               <a:rPr lang="en-AU" dirty="0"/>
               <a:t>View Total Points on Dashboard</a:t>
             </a:r>
           </a:p>
           <a:p>
+            <a:pPr lvl="1"/>
             <a:r>
               <a:rPr lang="en-AU" dirty="0"/>
               <a:t>View total and completed task tally on nav bar</a:t>
             </a:r>
+          </a:p>
+          <a:p>
+            <a:endParaRPr lang="en-AU" dirty="0"/>
+          </a:p>
+          <a:p>
+            <a:pPr marL="0" indent="0">
+              <a:buNone/>
+            </a:pPr>
+            <a:endParaRPr lang="en-AU" dirty="0"/>
+          </a:p>
+          <a:p>
+            <a:r>
+              <a:rPr lang="en-AU" dirty="0"/>
+              <a:t>FUTURE</a:t>
+            </a:r>
+          </a:p>
+          <a:p>
+            <a:pPr lvl="1"/>
+            <a:r>
+              <a:rPr lang="en-AU" dirty="0"/>
+              <a:t>Health and Ability Earnings</a:t>
+            </a:r>
+          </a:p>
+          <a:p>
+            <a:pPr lvl="1"/>
+            <a:r>
+              <a:rPr lang="en-AU" dirty="0"/>
+              <a:t>Implement Reward Shopping</a:t>
+            </a:r>
+          </a:p>
+          <a:p>
+            <a:pPr lvl="1"/>
+            <a:r>
+              <a:rPr lang="en-AU" dirty="0"/>
+              <a:t>Advance Task functions, future dating, repeating, category sorting. </a:t>
+            </a:r>
+          </a:p>
+          <a:p>
+            <a:pPr lvl="1"/>
+            <a:r>
+              <a:rPr lang="en-AU" dirty="0"/>
+              <a:t>Advanced User account details</a:t>
+            </a:r>
+          </a:p>
+          <a:p>
+            <a:pPr lvl="1"/>
+            <a:r>
+              <a:rPr lang="en-AU" dirty="0"/>
+              <a:t>Profile image upload file. (not string URL)</a:t>
+            </a:r>
+          </a:p>
+          <a:p>
+            <a:pPr lvl="1"/>
+            <a:r>
+              <a:rPr lang="en-AU" dirty="0" err="1"/>
+              <a:t>Oauth</a:t>
+            </a:r>
+            <a:r>
+              <a:rPr lang="en-AU" dirty="0"/>
+              <a:t> with account access.</a:t>
+            </a:r>
+          </a:p>
+          <a:p>
+            <a:pPr lvl="1"/>
+            <a:r>
+              <a:rPr lang="en-AU" dirty="0"/>
+              <a:t>Show total tasks that are getting close to due date.</a:t>
+            </a:r>
+          </a:p>
+          <a:p>
+            <a:endParaRPr lang="en-AU" dirty="0"/>
           </a:p>
           <a:p>
             <a:endParaRPr lang="en-US" dirty="0"/>
@@ -4857,7 +5185,7 @@
         </p:blipFill>
         <p:spPr>
           <a:xfrm>
-            <a:off x="3012988" y="681037"/>
+            <a:off x="3515908" y="674826"/>
             <a:ext cx="810226" cy="706160"/>
           </a:xfrm>
           <a:prstGeom prst="rect">
@@ -4878,7 +5206,7 @@
 </p:sld>
 </file>
 
-<file path=ppt/slides/slide5.xml><?xml version="1.0" encoding="utf-8"?>
+<file path=ppt/slides/slide6.xml><?xml version="1.0" encoding="utf-8"?>
 <p:sld xmlns:a="http://schemas.openxmlformats.org/drawingml/2006/main" xmlns:r="http://schemas.openxmlformats.org/officeDocument/2006/relationships" xmlns:p="http://schemas.openxmlformats.org/presentationml/2006/main">
   <p:cSld>
     <p:bg>
@@ -4928,7 +5256,9 @@
           <a:lstStyle/>
           <a:p>
             <a:r>
-              <a:rPr lang="en-US" dirty="0"/>
+              <a:rPr lang="en-US" dirty="0">
+                <a:latin typeface="Quicksand Book" panose="02070303000000060000" pitchFamily="18" charset="77"/>
+              </a:rPr>
               <a:t>Specific Challenges</a:t>
             </a:r>
           </a:p>
@@ -4952,7 +5282,9 @@
         </p:nvSpPr>
         <p:spPr/>
         <p:txBody>
-          <a:bodyPr/>
+          <a:bodyPr>
+            <a:normAutofit fontScale="92500"/>
+          </a:bodyPr>
           <a:lstStyle/>
           <a:p>
             <a:r>
@@ -4975,7 +5307,15 @@
           <a:p>
             <a:r>
               <a:rPr lang="en-US" dirty="0"/>
-              <a:t>Integrating client side with PUG rendering.</a:t>
+              <a:t>Handlebars </a:t>
+            </a:r>
+            <a:r>
+              <a:rPr lang="en-US" dirty="0" err="1"/>
+              <a:t>ew</a:t>
+            </a:r>
+            <a:r>
+              <a:rPr lang="en-US" dirty="0"/>
+              <a:t>, so pug JS was utilized. Integrating client side with PUG rendering.</a:t>
             </a:r>
           </a:p>
           <a:p>
@@ -5014,7 +5354,7 @@
         </p:blipFill>
         <p:spPr>
           <a:xfrm>
-            <a:off x="5295385" y="668209"/>
+            <a:off x="6621265" y="668209"/>
             <a:ext cx="800615" cy="719393"/>
           </a:xfrm>
           <a:prstGeom prst="rect">
@@ -5035,347 +5375,7 @@
 </p:sld>
 </file>
 
-<file path=ppt/slides/slide6.xml><?xml version="1.0" encoding="utf-8"?>
-<p:sld xmlns:a="http://schemas.openxmlformats.org/drawingml/2006/main" xmlns:r="http://schemas.openxmlformats.org/officeDocument/2006/relationships" xmlns:p="http://schemas.openxmlformats.org/presentationml/2006/main">
-  <p:cSld>
-    <p:bg>
-      <p:bgPr>
-        <a:solidFill>
-          <a:schemeClr val="accent2">
-            <a:lumMod val="40000"/>
-            <a:lumOff val="60000"/>
-          </a:schemeClr>
-        </a:solidFill>
-        <a:effectLst/>
-      </p:bgPr>
-    </p:bg>
-    <p:spTree>
-      <p:nvGrpSpPr>
-        <p:cNvPr id="1" name=""/>
-        <p:cNvGrpSpPr/>
-        <p:nvPr/>
-      </p:nvGrpSpPr>
-      <p:grpSpPr>
-        <a:xfrm>
-          <a:off x="0" y="0"/>
-          <a:ext cx="0" cy="0"/>
-          <a:chOff x="0" y="0"/>
-          <a:chExt cx="0" cy="0"/>
-        </a:xfrm>
-      </p:grpSpPr>
-      <p:sp>
-        <p:nvSpPr>
-          <p:cNvPr id="2" name="Title 1">
-            <a:extLst>
-              <a:ext uri="{FF2B5EF4-FFF2-40B4-BE49-F238E27FC236}">
-                <a16:creationId xmlns:a16="http://schemas.microsoft.com/office/drawing/2014/main" id="{07CC8544-3E8B-1E41-8831-F9C84C169161}"/>
-              </a:ext>
-            </a:extLst>
-          </p:cNvPr>
-          <p:cNvSpPr>
-            <a:spLocks noGrp="1"/>
-          </p:cNvSpPr>
-          <p:nvPr>
-            <p:ph type="title"/>
-          </p:nvPr>
-        </p:nvSpPr>
-        <p:spPr/>
-        <p:txBody>
-          <a:bodyPr/>
-          <a:lstStyle/>
-          <a:p>
-            <a:r>
-              <a:rPr lang="en-US" dirty="0"/>
-              <a:t>Git Workflow</a:t>
-            </a:r>
-          </a:p>
-        </p:txBody>
-      </p:sp>
-      <p:sp>
-        <p:nvSpPr>
-          <p:cNvPr id="3" name="Content Placeholder 2">
-            <a:extLst>
-              <a:ext uri="{FF2B5EF4-FFF2-40B4-BE49-F238E27FC236}">
-                <a16:creationId xmlns:a16="http://schemas.microsoft.com/office/drawing/2014/main" id="{79ECF4F7-94A8-7E4D-BD3B-6B153EBE96B5}"/>
-              </a:ext>
-            </a:extLst>
-          </p:cNvPr>
-          <p:cNvSpPr>
-            <a:spLocks noGrp="1"/>
-          </p:cNvSpPr>
-          <p:nvPr>
-            <p:ph idx="1"/>
-          </p:nvPr>
-        </p:nvSpPr>
-        <p:spPr/>
-        <p:txBody>
-          <a:bodyPr/>
-          <a:lstStyle/>
-          <a:p>
-            <a:r>
-              <a:rPr lang="en-US" dirty="0"/>
-              <a:t>Main Repository, created on Shelby’s </a:t>
-            </a:r>
-            <a:r>
-              <a:rPr lang="en-US" dirty="0" err="1"/>
-              <a:t>Github</a:t>
-            </a:r>
-            <a:r>
-              <a:rPr lang="en-US" dirty="0"/>
-              <a:t>.</a:t>
-            </a:r>
-          </a:p>
-          <a:p>
-            <a:r>
-              <a:rPr lang="en-US" dirty="0"/>
-              <a:t>Alex forked from the main.</a:t>
-            </a:r>
-          </a:p>
-          <a:p>
-            <a:r>
-              <a:rPr lang="en-US" dirty="0"/>
-              <a:t>We both used branches for current features/work we were working on.</a:t>
-            </a:r>
-          </a:p>
-          <a:p>
-            <a:r>
-              <a:rPr lang="en-US" dirty="0"/>
-              <a:t>Then once happy with the branch, we pulled latest from main.</a:t>
-            </a:r>
-          </a:p>
-          <a:p>
-            <a:r>
-              <a:rPr lang="en-US" dirty="0"/>
-              <a:t>Then made a pull request to merge with main.</a:t>
-            </a:r>
-          </a:p>
-          <a:p>
-            <a:r>
-              <a:rPr lang="en-US" dirty="0"/>
-              <a:t>Workflow was smooth and merge conflicts were resolved with ease.</a:t>
-            </a:r>
-          </a:p>
-        </p:txBody>
-      </p:sp>
-      <p:pic>
-        <p:nvPicPr>
-          <p:cNvPr id="4" name="Picture 3" descr="A picture containing chart&#10;&#10;Description automatically generated">
-            <a:extLst>
-              <a:ext uri="{FF2B5EF4-FFF2-40B4-BE49-F238E27FC236}">
-                <a16:creationId xmlns:a16="http://schemas.microsoft.com/office/drawing/2014/main" id="{A839FC73-2445-A244-9A59-C5F78E4978B0}"/>
-              </a:ext>
-            </a:extLst>
-          </p:cNvPr>
-          <p:cNvPicPr>
-            <a:picLocks noChangeAspect="1"/>
-          </p:cNvPicPr>
-          <p:nvPr/>
-        </p:nvPicPr>
-        <p:blipFill>
-          <a:blip r:embed="rId2"/>
-          <a:stretch>
-            <a:fillRect/>
-          </a:stretch>
-        </p:blipFill>
-        <p:spPr>
-          <a:xfrm>
-            <a:off x="4133850" y="710080"/>
-            <a:ext cx="720725" cy="698718"/>
-          </a:xfrm>
-          <a:prstGeom prst="rect">
-            <a:avLst/>
-          </a:prstGeom>
-        </p:spPr>
-      </p:pic>
-    </p:spTree>
-    <p:extLst>
-      <p:ext uri="{BB962C8B-B14F-4D97-AF65-F5344CB8AC3E}">
-        <p14:creationId xmlns:p14="http://schemas.microsoft.com/office/powerpoint/2010/main" val="3491033519"/>
-      </p:ext>
-    </p:extLst>
-  </p:cSld>
-  <p:clrMapOvr>
-    <a:masterClrMapping/>
-  </p:clrMapOvr>
-</p:sld>
-</file>
-
 <file path=ppt/slides/slide7.xml><?xml version="1.0" encoding="utf-8"?>
-<p:sld xmlns:a="http://schemas.openxmlformats.org/drawingml/2006/main" xmlns:r="http://schemas.openxmlformats.org/officeDocument/2006/relationships" xmlns:p="http://schemas.openxmlformats.org/presentationml/2006/main">
-  <p:cSld>
-    <p:bg>
-      <p:bgPr>
-        <a:solidFill>
-          <a:srgbClr val="EA90D8"/>
-        </a:solidFill>
-        <a:effectLst/>
-      </p:bgPr>
-    </p:bg>
-    <p:spTree>
-      <p:nvGrpSpPr>
-        <p:cNvPr id="1" name=""/>
-        <p:cNvGrpSpPr/>
-        <p:nvPr/>
-      </p:nvGrpSpPr>
-      <p:grpSpPr>
-        <a:xfrm>
-          <a:off x="0" y="0"/>
-          <a:ext cx="0" cy="0"/>
-          <a:chOff x="0" y="0"/>
-          <a:chExt cx="0" cy="0"/>
-        </a:xfrm>
-      </p:grpSpPr>
-      <p:sp>
-        <p:nvSpPr>
-          <p:cNvPr id="2" name="Title 1">
-            <a:extLst>
-              <a:ext uri="{FF2B5EF4-FFF2-40B4-BE49-F238E27FC236}">
-                <a16:creationId xmlns:a16="http://schemas.microsoft.com/office/drawing/2014/main" id="{755DCDF3-D42B-3341-BB5E-7027E9D09EF5}"/>
-              </a:ext>
-            </a:extLst>
-          </p:cNvPr>
-          <p:cNvSpPr>
-            <a:spLocks noGrp="1"/>
-          </p:cNvSpPr>
-          <p:nvPr>
-            <p:ph type="title"/>
-          </p:nvPr>
-        </p:nvSpPr>
-        <p:spPr/>
-        <p:txBody>
-          <a:bodyPr/>
-          <a:lstStyle/>
-          <a:p>
-            <a:r>
-              <a:rPr lang="en-US" dirty="0"/>
-              <a:t>Future Features</a:t>
-            </a:r>
-          </a:p>
-        </p:txBody>
-      </p:sp>
-      <p:sp>
-        <p:nvSpPr>
-          <p:cNvPr id="3" name="Content Placeholder 2">
-            <a:extLst>
-              <a:ext uri="{FF2B5EF4-FFF2-40B4-BE49-F238E27FC236}">
-                <a16:creationId xmlns:a16="http://schemas.microsoft.com/office/drawing/2014/main" id="{016A6F16-BC82-464E-AAEF-270CF8BBC82A}"/>
-              </a:ext>
-            </a:extLst>
-          </p:cNvPr>
-          <p:cNvSpPr>
-            <a:spLocks noGrp="1"/>
-          </p:cNvSpPr>
-          <p:nvPr>
-            <p:ph idx="1"/>
-          </p:nvPr>
-        </p:nvSpPr>
-        <p:spPr/>
-        <p:txBody>
-          <a:bodyPr>
-            <a:normAutofit lnSpcReduction="10000"/>
-          </a:bodyPr>
-          <a:lstStyle/>
-          <a:p>
-            <a:r>
-              <a:rPr lang="en-AU" dirty="0"/>
-              <a:t>Health and Ability Earnings</a:t>
-            </a:r>
-          </a:p>
-          <a:p>
-            <a:r>
-              <a:rPr lang="en-AU" dirty="0"/>
-              <a:t>Implement Reward Shopping</a:t>
-            </a:r>
-          </a:p>
-          <a:p>
-            <a:r>
-              <a:rPr lang="en-AU" dirty="0"/>
-              <a:t>Advance Task functions, future dating, repeating, category sorting. </a:t>
-            </a:r>
-          </a:p>
-          <a:p>
-            <a:r>
-              <a:rPr lang="en-AU" dirty="0"/>
-              <a:t>Advanced User account details</a:t>
-            </a:r>
-          </a:p>
-          <a:p>
-            <a:r>
-              <a:rPr lang="en-AU" dirty="0"/>
-              <a:t>Profile image upload file. (not string URL)</a:t>
-            </a:r>
-          </a:p>
-          <a:p>
-            <a:r>
-              <a:rPr lang="en-AU" dirty="0" err="1"/>
-              <a:t>Oauth</a:t>
-            </a:r>
-            <a:r>
-              <a:rPr lang="en-AU" dirty="0"/>
-              <a:t> with account access.</a:t>
-            </a:r>
-          </a:p>
-          <a:p>
-            <a:r>
-              <a:rPr lang="en-AU" dirty="0"/>
-              <a:t>Show total tasks that are getting close to due date.</a:t>
-            </a:r>
-          </a:p>
-          <a:p>
-            <a:pPr marL="0" indent="0">
-              <a:buNone/>
-            </a:pPr>
-            <a:br>
-              <a:rPr lang="en-AU" dirty="0"/>
-            </a:br>
-            <a:endParaRPr lang="en-US" dirty="0"/>
-          </a:p>
-        </p:txBody>
-      </p:sp>
-      <p:pic>
-        <p:nvPicPr>
-          <p:cNvPr id="4" name="Picture 3" descr="A picture containing map&#10;&#10;Description automatically generated">
-            <a:extLst>
-              <a:ext uri="{FF2B5EF4-FFF2-40B4-BE49-F238E27FC236}">
-                <a16:creationId xmlns:a16="http://schemas.microsoft.com/office/drawing/2014/main" id="{DD7D29BC-C243-E54E-A19D-5C37FDB680DA}"/>
-              </a:ext>
-            </a:extLst>
-          </p:cNvPr>
-          <p:cNvPicPr>
-            <a:picLocks noChangeAspect="1"/>
-          </p:cNvPicPr>
-          <p:nvPr/>
-        </p:nvPicPr>
-        <p:blipFill>
-          <a:blip r:embed="rId3"/>
-          <a:stretch>
-            <a:fillRect/>
-          </a:stretch>
-        </p:blipFill>
-        <p:spPr>
-          <a:xfrm>
-            <a:off x="4687587" y="692341"/>
-            <a:ext cx="867376" cy="710544"/>
-          </a:xfrm>
-          <a:prstGeom prst="rect">
-            <a:avLst/>
-          </a:prstGeom>
-        </p:spPr>
-      </p:pic>
-    </p:spTree>
-    <p:extLst>
-      <p:ext uri="{BB962C8B-B14F-4D97-AF65-F5344CB8AC3E}">
-        <p14:creationId xmlns:p14="http://schemas.microsoft.com/office/powerpoint/2010/main" val="1959090758"/>
-      </p:ext>
-    </p:extLst>
-  </p:cSld>
-  <p:clrMapOvr>
-    <a:masterClrMapping/>
-  </p:clrMapOvr>
-</p:sld>
-</file>
-
-<file path=ppt/slides/slide8.xml><?xml version="1.0" encoding="utf-8"?>
 <p:sld xmlns:a="http://schemas.openxmlformats.org/drawingml/2006/main" xmlns:r="http://schemas.openxmlformats.org/officeDocument/2006/relationships" xmlns:p="http://schemas.openxmlformats.org/presentationml/2006/main">
   <p:cSld>
     <p:bg>
@@ -5418,8 +5418,8 @@
         </p:nvSpPr>
         <p:spPr>
           <a:xfrm>
-            <a:off x="4417359" y="2766218"/>
-            <a:ext cx="3357282" cy="1325563"/>
+            <a:off x="4295438" y="2766218"/>
+            <a:ext cx="4513281" cy="1325563"/>
           </a:xfrm>
         </p:spPr>
         <p:txBody>
@@ -5427,12 +5427,44 @@
           <a:lstStyle/>
           <a:p>
             <a:r>
-              <a:rPr lang="en-US" dirty="0"/>
+              <a:rPr lang="en-US" b="1" dirty="0">
+                <a:latin typeface="Quicksand Book" panose="02070303000000060000" pitchFamily="18" charset="77"/>
+              </a:rPr>
               <a:t>THANK YOU</a:t>
             </a:r>
           </a:p>
         </p:txBody>
       </p:sp>
+      <p:pic>
+        <p:nvPicPr>
+          <p:cNvPr id="4" name="Picture 3" descr="A picture containing map&#10;&#10;Description automatically generated">
+            <a:extLst>
+              <a:ext uri="{FF2B5EF4-FFF2-40B4-BE49-F238E27FC236}">
+                <a16:creationId xmlns:a16="http://schemas.microsoft.com/office/drawing/2014/main" id="{EA1DE4EA-FF20-0744-B656-DA7BC51D5344}"/>
+              </a:ext>
+            </a:extLst>
+          </p:cNvPr>
+          <p:cNvPicPr>
+            <a:picLocks noChangeAspect="1"/>
+          </p:cNvPicPr>
+          <p:nvPr/>
+        </p:nvPicPr>
+        <p:blipFill>
+          <a:blip r:embed="rId2"/>
+          <a:stretch>
+            <a:fillRect/>
+          </a:stretch>
+        </p:blipFill>
+        <p:spPr>
+          <a:xfrm>
+            <a:off x="5776142" y="3968941"/>
+            <a:ext cx="867376" cy="710544"/>
+          </a:xfrm>
+          <a:prstGeom prst="rect">
+            <a:avLst/>
+          </a:prstGeom>
+        </p:spPr>
+      </p:pic>
     </p:spTree>
     <p:extLst>
       <p:ext uri="{BB962C8B-B14F-4D97-AF65-F5344CB8AC3E}">

--- a/docs/Presentation1.pptx
+++ b/docs/Presentation1.pptx
@@ -469,6 +469,90 @@
     </a:lvl9pPr>
   </p:notesStyle>
 </p:notesMaster>
+</file>
+
+<file path=ppt/notesSlides/notesSlide1.xml><?xml version="1.0" encoding="utf-8"?>
+<p:notes xmlns:a="http://schemas.openxmlformats.org/drawingml/2006/main" xmlns:r="http://schemas.openxmlformats.org/officeDocument/2006/relationships" xmlns:p="http://schemas.openxmlformats.org/presentationml/2006/main">
+  <p:cSld>
+    <p:spTree>
+      <p:nvGrpSpPr>
+        <p:cNvPr id="1" name=""/>
+        <p:cNvGrpSpPr/>
+        <p:nvPr/>
+      </p:nvGrpSpPr>
+      <p:grpSpPr>
+        <a:xfrm>
+          <a:off x="0" y="0"/>
+          <a:ext cx="0" cy="0"/>
+          <a:chOff x="0" y="0"/>
+          <a:chExt cx="0" cy="0"/>
+        </a:xfrm>
+      </p:grpSpPr>
+      <p:sp>
+        <p:nvSpPr>
+          <p:cNvPr id="2" name="Slide Image Placeholder 1"/>
+          <p:cNvSpPr>
+            <a:spLocks noGrp="1" noRot="1" noChangeAspect="1"/>
+          </p:cNvSpPr>
+          <p:nvPr>
+            <p:ph type="sldImg"/>
+          </p:nvPr>
+        </p:nvSpPr>
+        <p:spPr/>
+      </p:sp>
+      <p:sp>
+        <p:nvSpPr>
+          <p:cNvPr id="3" name="Notes Placeholder 2"/>
+          <p:cNvSpPr>
+            <a:spLocks noGrp="1"/>
+          </p:cNvSpPr>
+          <p:nvPr>
+            <p:ph type="body" idx="1"/>
+          </p:nvPr>
+        </p:nvSpPr>
+        <p:spPr/>
+        <p:txBody>
+          <a:bodyPr/>
+          <a:lstStyle/>
+          <a:p>
+            <a:endParaRPr lang="en-US" dirty="0"/>
+          </a:p>
+        </p:txBody>
+      </p:sp>
+      <p:sp>
+        <p:nvSpPr>
+          <p:cNvPr id="4" name="Slide Number Placeholder 3"/>
+          <p:cNvSpPr>
+            <a:spLocks noGrp="1"/>
+          </p:cNvSpPr>
+          <p:nvPr>
+            <p:ph type="sldNum" sz="quarter" idx="5"/>
+          </p:nvPr>
+        </p:nvSpPr>
+        <p:spPr/>
+        <p:txBody>
+          <a:bodyPr/>
+          <a:lstStyle/>
+          <a:p>
+            <a:fld id="{643B01F8-19B3-8042-A07C-0F1961434FC4}" type="slidenum">
+              <a:rPr lang="en-US" smtClean="0"/>
+              <a:t>6</a:t>
+            </a:fld>
+            <a:endParaRPr lang="en-US"/>
+          </a:p>
+        </p:txBody>
+      </p:sp>
+    </p:spTree>
+    <p:extLst>
+      <p:ext uri="{BB962C8B-B14F-4D97-AF65-F5344CB8AC3E}">
+        <p14:creationId xmlns:p14="http://schemas.microsoft.com/office/powerpoint/2010/main" val="337304800"/>
+      </p:ext>
+    </p:extLst>
+  </p:cSld>
+  <p:clrMapOvr>
+    <a:masterClrMapping/>
+  </p:clrMapOvr>
+</p:notes>
 </file>
 
 <file path=ppt/slideLayouts/slideLayout1.xml><?xml version="1.0" encoding="utf-8"?>
@@ -4293,6 +4377,20 @@
             <a:pPr fontAlgn="base"/>
             <a:r>
               <a:rPr lang="en-AU" dirty="0"/>
+              <a:t>The app is made to simplify our daily tasks schedule and build good habits.</a:t>
+            </a:r>
+          </a:p>
+          <a:p>
+            <a:pPr fontAlgn="base"/>
+            <a:r>
+              <a:rPr lang="en-AU" dirty="0"/>
+              <a:t>A gamified version just adds a modern-day fun spin on a standard task tracker.</a:t>
+            </a:r>
+          </a:p>
+          <a:p>
+            <a:pPr fontAlgn="base"/>
+            <a:r>
+              <a:rPr lang="en-AU" dirty="0"/>
               <a:t>We at </a:t>
             </a:r>
             <a:r>
@@ -4305,18 +4403,10 @@
             </a:r>
           </a:p>
           <a:p>
-            <a:pPr fontAlgn="base"/>
-            <a:r>
-              <a:rPr lang="en-AU" dirty="0"/>
-              <a:t>The app is made to simplify our daily tasks schedule and build good habits.</a:t>
-            </a:r>
-          </a:p>
-          <a:p>
-            <a:pPr fontAlgn="base"/>
-            <a:r>
-              <a:rPr lang="en-AU" dirty="0"/>
-              <a:t>A gamified version just adds a modern-day fun spin on a standard task tracker.</a:t>
-            </a:r>
+            <a:pPr marL="0" indent="0" fontAlgn="base">
+              <a:buNone/>
+            </a:pPr>
+            <a:endParaRPr lang="en-AU" dirty="0"/>
           </a:p>
           <a:p>
             <a:endParaRPr lang="en-US" dirty="0"/>
@@ -4461,7 +4551,7 @@
           <a:p>
             <a:r>
               <a:rPr lang="en-US" dirty="0"/>
-              <a:t>First day google notes</a:t>
+              <a:t>Google notes with initial ideas.</a:t>
             </a:r>
           </a:p>
           <a:p>
@@ -4504,7 +4594,7 @@
             <a:pPr lvl="1"/>
             <a:r>
               <a:rPr lang="en-US" dirty="0"/>
-              <a:t>Alex forked from the main.</a:t>
+              <a:t>Alex forked from the created repo.</a:t>
             </a:r>
           </a:p>
           <a:p>
@@ -4619,7 +4709,7 @@
         </p:blipFill>
         <p:spPr>
           <a:xfrm>
-            <a:off x="4699846" y="784076"/>
+            <a:off x="5028079" y="784075"/>
             <a:ext cx="2792308" cy="3148469"/>
           </a:xfrm>
           <a:prstGeom prst="rect">
@@ -4649,8 +4739,8 @@
         </p:blipFill>
         <p:spPr>
           <a:xfrm>
-            <a:off x="7820385" y="2903496"/>
-            <a:ext cx="2792307" cy="1921978"/>
+            <a:off x="8262272" y="2358310"/>
+            <a:ext cx="3580865" cy="2464752"/>
           </a:xfrm>
           <a:prstGeom prst="rect">
             <a:avLst/>
@@ -4741,7 +4831,12 @@
             <p:ph idx="1"/>
           </p:nvPr>
         </p:nvSpPr>
-        <p:spPr/>
+        <p:spPr>
+          <a:xfrm>
+            <a:off x="838200" y="1567816"/>
+            <a:ext cx="10515600" cy="4351338"/>
+          </a:xfrm>
+        </p:spPr>
         <p:txBody>
           <a:bodyPr numCol="2">
             <a:normAutofit fontScale="85000" lnSpcReduction="20000"/>
@@ -4805,6 +4900,42 @@
           <a:p>
             <a:r>
               <a:rPr lang="en-AU" dirty="0"/>
+              <a:t>Postman</a:t>
+            </a:r>
+          </a:p>
+          <a:p>
+            <a:r>
+              <a:rPr lang="en-AU" dirty="0"/>
+              <a:t>Trello</a:t>
+            </a:r>
+          </a:p>
+          <a:p>
+            <a:r>
+              <a:rPr lang="en-AU" dirty="0"/>
+              <a:t>Google Docs</a:t>
+            </a:r>
+          </a:p>
+          <a:p>
+            <a:r>
+              <a:rPr lang="en-AU" dirty="0"/>
+              <a:t>Figma</a:t>
+            </a:r>
+          </a:p>
+          <a:p>
+            <a:r>
+              <a:rPr lang="en-AU" dirty="0"/>
+              <a:t>Heroku</a:t>
+            </a:r>
+          </a:p>
+          <a:p>
+            <a:r>
+              <a:rPr lang="en-AU" dirty="0"/>
+              <a:t>Font Awesome</a:t>
+            </a:r>
+          </a:p>
+          <a:p>
+            <a:r>
+              <a:rPr lang="en-AU" dirty="0"/>
               <a:t>Node Packages</a:t>
             </a:r>
           </a:p>
@@ -4841,13 +4972,6 @@
             <a:pPr lvl="1"/>
             <a:r>
               <a:rPr lang="en-AU" dirty="0"/>
-              <a:t>Pug</a:t>
-            </a:r>
-          </a:p>
-          <a:p>
-            <a:pPr lvl="1"/>
-            <a:r>
-              <a:rPr lang="en-AU" dirty="0"/>
               <a:t>Passport-remember-me</a:t>
             </a:r>
           </a:p>
@@ -4876,33 +5000,11 @@
             <a:pPr lvl="1"/>
             <a:r>
               <a:rPr lang="en-AU" dirty="0"/>
-              <a:t>Node-fetch</a:t>
-            </a:r>
-          </a:p>
-          <a:p>
-            <a:pPr lvl="1"/>
-            <a:r>
-              <a:rPr lang="en-AU" dirty="0"/>
               <a:t>Path</a:t>
             </a:r>
           </a:p>
           <a:p>
-            <a:r>
-              <a:rPr lang="en-AU" dirty="0"/>
-              <a:t>Trello</a:t>
-            </a:r>
-          </a:p>
-          <a:p>
-            <a:r>
-              <a:rPr lang="en-AU" dirty="0"/>
-              <a:t>Google Docs</a:t>
-            </a:r>
-          </a:p>
-          <a:p>
-            <a:r>
-              <a:rPr lang="en-AU" dirty="0"/>
-              <a:t>Figma</a:t>
-            </a:r>
+            <a:endParaRPr lang="en-AU" dirty="0"/>
           </a:p>
           <a:p>
             <a:endParaRPr lang="en-US" dirty="0"/>
@@ -4996,7 +5098,12 @@
             <p:ph type="title"/>
           </p:nvPr>
         </p:nvSpPr>
-        <p:spPr/>
+        <p:spPr>
+          <a:xfrm>
+            <a:off x="838200" y="260151"/>
+            <a:ext cx="10515600" cy="1325563"/>
+          </a:xfrm>
+        </p:spPr>
         <p:txBody>
           <a:bodyPr/>
           <a:lstStyle/>
@@ -5026,7 +5133,12 @@
             <p:ph idx="1"/>
           </p:nvPr>
         </p:nvSpPr>
-        <p:spPr/>
+        <p:spPr>
+          <a:xfrm>
+            <a:off x="838200" y="1420852"/>
+            <a:ext cx="10515600" cy="4514215"/>
+          </a:xfrm>
+        </p:spPr>
         <p:txBody>
           <a:bodyPr numCol="2">
             <a:normAutofit fontScale="92500" lnSpcReduction="20000"/>
@@ -5039,106 +5151,175 @@
             </a:r>
           </a:p>
           <a:p>
-            <a:pPr lvl="1"/>
+            <a:pPr lvl="1">
+              <a:lnSpc>
+                <a:spcPct val="120000"/>
+              </a:lnSpc>
+            </a:pPr>
             <a:r>
               <a:rPr lang="en-AU" dirty="0"/>
-              <a:t>User can Register and Login</a:t>
-            </a:r>
-          </a:p>
-          <a:p>
-            <a:pPr lvl="1"/>
+              <a:t>User can Register and Login (and remember user)</a:t>
+            </a:r>
+          </a:p>
+          <a:p>
+            <a:pPr lvl="1">
+              <a:lnSpc>
+                <a:spcPct val="120000"/>
+              </a:lnSpc>
+            </a:pPr>
             <a:r>
               <a:rPr lang="en-AU" dirty="0"/>
               <a:t>User can add their name and avatar through edit user</a:t>
             </a:r>
           </a:p>
           <a:p>
-            <a:pPr lvl="1"/>
+            <a:pPr lvl="1">
+              <a:lnSpc>
+                <a:spcPct val="120000"/>
+              </a:lnSpc>
+            </a:pPr>
             <a:r>
               <a:rPr lang="en-AU" dirty="0"/>
               <a:t>View User Dashboard (authenticated)</a:t>
             </a:r>
           </a:p>
           <a:p>
-            <a:pPr lvl="1"/>
+            <a:pPr lvl="1">
+              <a:lnSpc>
+                <a:spcPct val="120000"/>
+              </a:lnSpc>
+            </a:pPr>
             <a:r>
               <a:rPr lang="en-AU" dirty="0"/>
               <a:t>Add new tasks, edit and delete</a:t>
             </a:r>
           </a:p>
           <a:p>
-            <a:pPr lvl="1"/>
+            <a:pPr lvl="1">
+              <a:lnSpc>
+                <a:spcPct val="120000"/>
+              </a:lnSpc>
+            </a:pPr>
             <a:r>
               <a:rPr lang="en-AU" dirty="0"/>
-              <a:t>Mark Tasks as Completed which accumulates points</a:t>
-            </a:r>
-          </a:p>
-          <a:p>
-            <a:pPr lvl="1"/>
+              <a:t>Mark Tasks as Completed which accumulates points.</a:t>
+            </a:r>
+          </a:p>
+          <a:p>
+            <a:pPr lvl="1">
+              <a:lnSpc>
+                <a:spcPct val="120000"/>
+              </a:lnSpc>
+            </a:pPr>
             <a:r>
               <a:rPr lang="en-AU" dirty="0"/>
-              <a:t>View Total Points on Dashboard</a:t>
-            </a:r>
-          </a:p>
-          <a:p>
-            <a:pPr lvl="1"/>
+              <a:t>View Total Points on Dashboard.</a:t>
+            </a:r>
+          </a:p>
+          <a:p>
+            <a:pPr lvl="1">
+              <a:lnSpc>
+                <a:spcPct val="120000"/>
+              </a:lnSpc>
+            </a:pPr>
             <a:r>
               <a:rPr lang="en-AU" dirty="0"/>
-              <a:t>View total and completed task tally on nav bar</a:t>
-            </a:r>
-          </a:p>
-          <a:p>
-            <a:endParaRPr lang="en-AU" dirty="0"/>
-          </a:p>
-          <a:p>
-            <a:pPr marL="0" indent="0">
-              <a:buNone/>
+              <a:t>View total and completed task tally on nav bar.</a:t>
+            </a:r>
+          </a:p>
+          <a:p>
+            <a:pPr lvl="1">
+              <a:lnSpc>
+                <a:spcPct val="120000"/>
+              </a:lnSpc>
             </a:pPr>
             <a:endParaRPr lang="en-AU" dirty="0"/>
           </a:p>
           <a:p>
+            <a:pPr lvl="1">
+              <a:lnSpc>
+                <a:spcPct val="120000"/>
+              </a:lnSpc>
+            </a:pPr>
+            <a:endParaRPr lang="en-AU" dirty="0"/>
+          </a:p>
+          <a:p>
+            <a:endParaRPr lang="en-AU" dirty="0"/>
+          </a:p>
+          <a:p>
+            <a:pPr marL="0" indent="0">
+              <a:buNone/>
+            </a:pPr>
+            <a:endParaRPr lang="en-AU" dirty="0"/>
+          </a:p>
+          <a:p>
             <a:r>
               <a:rPr lang="en-AU" dirty="0"/>
               <a:t>FUTURE</a:t>
             </a:r>
           </a:p>
           <a:p>
-            <a:pPr lvl="1"/>
+            <a:pPr lvl="1">
+              <a:lnSpc>
+                <a:spcPct val="120000"/>
+              </a:lnSpc>
+            </a:pPr>
             <a:r>
               <a:rPr lang="en-AU" dirty="0"/>
-              <a:t>Health and Ability Earnings</a:t>
-            </a:r>
-          </a:p>
-          <a:p>
-            <a:pPr lvl="1"/>
+              <a:t>Health and Ability Earnings via the </a:t>
+            </a:r>
+            <a:r>
+              <a:rPr lang="en-AU" dirty="0" err="1"/>
+              <a:t>ChartJS</a:t>
+            </a:r>
             <a:r>
               <a:rPr lang="en-AU" dirty="0"/>
-              <a:t>Implement Reward Shopping</a:t>
-            </a:r>
-          </a:p>
-          <a:p>
-            <a:pPr lvl="1"/>
+              <a:t>.</a:t>
+            </a:r>
+          </a:p>
+          <a:p>
+            <a:pPr lvl="1">
+              <a:lnSpc>
+                <a:spcPct val="120000"/>
+              </a:lnSpc>
+            </a:pPr>
+            <a:r>
+              <a:rPr lang="en-AU" dirty="0"/>
+              <a:t>Implement Reward Shopping (the pixel art)</a:t>
+            </a:r>
+          </a:p>
+          <a:p>
+            <a:pPr lvl="1">
+              <a:lnSpc>
+                <a:spcPct val="120000"/>
+              </a:lnSpc>
+            </a:pPr>
             <a:r>
               <a:rPr lang="en-AU" dirty="0"/>
               <a:t>Advance Task functions, future dating, repeating, category sorting. </a:t>
             </a:r>
           </a:p>
           <a:p>
-            <a:pPr lvl="1"/>
+            <a:pPr lvl="1">
+              <a:lnSpc>
+                <a:spcPct val="120000"/>
+              </a:lnSpc>
+            </a:pPr>
             <a:r>
               <a:rPr lang="en-AU" dirty="0"/>
-              <a:t>Advanced User account details</a:t>
-            </a:r>
-          </a:p>
-          <a:p>
-            <a:pPr lvl="1"/>
+              <a:t>Advanced User account details.</a:t>
+            </a:r>
+          </a:p>
+          <a:p>
+            <a:pPr lvl="1">
+              <a:lnSpc>
+                <a:spcPct val="120000"/>
+              </a:lnSpc>
+            </a:pPr>
             <a:r>
               <a:rPr lang="en-AU" dirty="0"/>
-              <a:t>Profile image upload file. (not string URL)</a:t>
-            </a:r>
-          </a:p>
-          <a:p>
-            <a:pPr lvl="1"/>
+              <a:t>Profile image upload file. </a:t>
+            </a:r>
             <a:r>
               <a:rPr lang="en-AU" dirty="0" err="1"/>
               <a:t>Oauth</a:t>
@@ -5149,13 +5330,34 @@
             </a:r>
           </a:p>
           <a:p>
-            <a:pPr lvl="1"/>
+            <a:pPr lvl="1">
+              <a:lnSpc>
+                <a:spcPct val="120000"/>
+              </a:lnSpc>
+            </a:pPr>
             <a:r>
               <a:rPr lang="en-AU" dirty="0"/>
-              <a:t>Show total tasks that are getting close to due date.</a:t>
-            </a:r>
-          </a:p>
-          <a:p>
+              <a:t>Show total tasks that are getting close to due date(the timer in the nav bar).</a:t>
+            </a:r>
+          </a:p>
+          <a:p>
+            <a:pPr lvl="1">
+              <a:lnSpc>
+                <a:spcPct val="120000"/>
+              </a:lnSpc>
+            </a:pPr>
+            <a:r>
+              <a:rPr lang="en-AU" dirty="0"/>
+              <a:t>Search task function.</a:t>
+            </a:r>
+          </a:p>
+          <a:p>
+            <a:pPr marL="0" indent="0">
+              <a:lnSpc>
+                <a:spcPct val="120000"/>
+              </a:lnSpc>
+              <a:buNone/>
+            </a:pPr>
             <a:endParaRPr lang="en-AU" dirty="0"/>
           </a:p>
           <a:p>
@@ -5185,7 +5387,7 @@
         </p:blipFill>
         <p:spPr>
           <a:xfrm>
-            <a:off x="3515908" y="674826"/>
+            <a:off x="3515908" y="569852"/>
             <a:ext cx="810226" cy="706160"/>
           </a:xfrm>
           <a:prstGeom prst="rect">
@@ -5280,7 +5482,12 @@
             <p:ph idx="1"/>
           </p:nvPr>
         </p:nvSpPr>
-        <p:spPr/>
+        <p:spPr>
+          <a:xfrm>
+            <a:off x="838200" y="1750187"/>
+            <a:ext cx="10515600" cy="4667250"/>
+          </a:xfrm>
+        </p:spPr>
         <p:txBody>
           <a:bodyPr>
             <a:normAutofit fontScale="92500"/>
@@ -5295,39 +5502,60 @@
           <a:p>
             <a:r>
               <a:rPr lang="en-US" dirty="0"/>
-              <a:t>Processing a delete route, discovered the process is an event listener on button then fetch call.</a:t>
+              <a:t>The processing of DELETE and PUT routes. </a:t>
             </a:r>
           </a:p>
           <a:p>
             <a:r>
               <a:rPr lang="en-US" dirty="0"/>
-              <a:t>Put route for updating task. Issue as HTTP in browsers is only GET and POST. So we discovered NPM method override. Can override a POST method to become PUT.</a:t>
+              <a:t>Handlebars EW, so pug JS was used for rendering. </a:t>
             </a:r>
           </a:p>
           <a:p>
             <a:r>
               <a:rPr lang="en-US" dirty="0"/>
-              <a:t>Handlebars </a:t>
-            </a:r>
-            <a:r>
-              <a:rPr lang="en-US" dirty="0" err="1"/>
-              <a:t>ew</a:t>
-            </a:r>
+              <a:t>Updating task and user was wiping data all the data. </a:t>
+            </a:r>
+          </a:p>
+          <a:p>
             <a:r>
               <a:rPr lang="en-US" dirty="0"/>
-              <a:t>, so pug JS was utilized. Integrating client side with PUG rendering.</a:t>
-            </a:r>
-          </a:p>
-          <a:p>
+              <a:t>Not going overboard with too many features we wanted in the short time.</a:t>
+            </a:r>
+          </a:p>
+          <a:p>
+            <a:r>
+              <a:rPr lang="en-AU" dirty="0"/>
+              <a:t>Stronger focus on error handling for future. </a:t>
+            </a:r>
+          </a:p>
+          <a:p>
+            <a:r>
+              <a:rPr lang="en-AU" dirty="0"/>
+              <a:t>Automated testing focus next time. We used manual testing this time. </a:t>
+            </a:r>
+          </a:p>
+          <a:p>
+            <a:r>
+              <a:rPr lang="en-AU" dirty="0"/>
+              <a:t>Console logging </a:t>
+            </a:r>
+            <a:r>
+              <a:rPr lang="en-AU" dirty="0" err="1"/>
+              <a:t>EERRRRYthing</a:t>
+            </a:r>
+            <a:r>
+              <a:rPr lang="en-AU" dirty="0"/>
+              <a:t> is key.</a:t>
+            </a:r>
+          </a:p>
+          <a:p>
+            <a:pPr marL="0" indent="0">
+              <a:buNone/>
+            </a:pPr>
             <a:r>
               <a:rPr lang="en-US" dirty="0"/>
-              <a:t>Updating task and user was wiping data. </a:t>
-            </a:r>
-          </a:p>
-          <a:p>
-            <a:r>
-              <a:rPr lang="en-US" dirty="0"/>
-              <a:t>Not going overboard with too many features we wanted in the short time. </a:t>
+              <a:t> </a:t>
             </a:r>
           </a:p>
         </p:txBody>
@@ -5347,7 +5575,7 @@
           <p:nvPr/>
         </p:nvPicPr>
         <p:blipFill>
-          <a:blip r:embed="rId2"/>
+          <a:blip r:embed="rId3"/>
           <a:stretch>
             <a:fillRect/>
           </a:stretch>
